--- a/FakeNews.pptx
+++ b/FakeNews.pptx
@@ -13,9 +13,9 @@
     <p:sldId id="262" r:id="rId4"/>
     <p:sldId id="257" r:id="rId5"/>
     <p:sldId id="258" r:id="rId6"/>
-    <p:sldId id="260" r:id="rId7"/>
-    <p:sldId id="259" r:id="rId8"/>
-    <p:sldId id="264" r:id="rId9"/>
+    <p:sldId id="265" r:id="rId7"/>
+    <p:sldId id="260" r:id="rId8"/>
+    <p:sldId id="259" r:id="rId9"/>
     <p:sldId id="263" r:id="rId10"/>
   </p:sldIdLst>
   <p:sldSz cx="12192000" cy="6858000"/>
@@ -1688,6 +1688,788 @@
 </file>
 
 <file path=ppt/diagrams/colors3.xml><?xml version="1.0" encoding="utf-8"?>
+<dgm:colorsDef xmlns:dgm="http://schemas.openxmlformats.org/drawingml/2006/diagram" xmlns:a="http://schemas.openxmlformats.org/drawingml/2006/main" uniqueId="urn:microsoft.com/office/officeart/2005/8/colors/colorful2">
+  <dgm:title val=""/>
+  <dgm:desc val=""/>
+  <dgm:catLst>
+    <dgm:cat type="colorful" pri="10200"/>
+  </dgm:catLst>
+  <dgm:styleLbl name="node0">
+    <dgm:fillClrLst meth="repeat">
+      <a:schemeClr val="accent1"/>
+    </dgm:fillClrLst>
+    <dgm:linClrLst meth="repeat">
+      <a:schemeClr val="lt1"/>
+    </dgm:linClrLst>
+    <dgm:effectClrLst/>
+    <dgm:txLinClrLst/>
+    <dgm:txFillClrLst/>
+    <dgm:txEffectClrLst/>
+  </dgm:styleLbl>
+  <dgm:styleLbl name="node1">
+    <dgm:fillClrLst>
+      <a:schemeClr val="accent2"/>
+      <a:schemeClr val="accent3"/>
+    </dgm:fillClrLst>
+    <dgm:linClrLst meth="repeat">
+      <a:schemeClr val="lt1"/>
+    </dgm:linClrLst>
+    <dgm:effectClrLst/>
+    <dgm:txLinClrLst/>
+    <dgm:txFillClrLst/>
+    <dgm:txEffectClrLst/>
+  </dgm:styleLbl>
+  <dgm:styleLbl name="alignNode1">
+    <dgm:fillClrLst>
+      <a:schemeClr val="accent2"/>
+      <a:schemeClr val="accent3"/>
+    </dgm:fillClrLst>
+    <dgm:linClrLst>
+      <a:schemeClr val="accent2"/>
+      <a:schemeClr val="accent3"/>
+    </dgm:linClrLst>
+    <dgm:effectClrLst/>
+    <dgm:txLinClrLst/>
+    <dgm:txFillClrLst/>
+    <dgm:txEffectClrLst/>
+  </dgm:styleLbl>
+  <dgm:styleLbl name="lnNode1">
+    <dgm:fillClrLst>
+      <a:schemeClr val="accent2"/>
+      <a:schemeClr val="accent3"/>
+    </dgm:fillClrLst>
+    <dgm:linClrLst meth="repeat">
+      <a:schemeClr val="lt1"/>
+    </dgm:linClrLst>
+    <dgm:effectClrLst/>
+    <dgm:txLinClrLst/>
+    <dgm:txFillClrLst/>
+    <dgm:txEffectClrLst/>
+  </dgm:styleLbl>
+  <dgm:styleLbl name="vennNode1">
+    <dgm:fillClrLst>
+      <a:schemeClr val="accent2">
+        <a:alpha val="50000"/>
+      </a:schemeClr>
+      <a:schemeClr val="accent3">
+        <a:alpha val="50000"/>
+      </a:schemeClr>
+    </dgm:fillClrLst>
+    <dgm:linClrLst meth="repeat">
+      <a:schemeClr val="lt1"/>
+    </dgm:linClrLst>
+    <dgm:effectClrLst/>
+    <dgm:txLinClrLst/>
+    <dgm:txFillClrLst/>
+    <dgm:txEffectClrLst/>
+  </dgm:styleLbl>
+  <dgm:styleLbl name="node2">
+    <dgm:fillClrLst>
+      <a:schemeClr val="accent3"/>
+    </dgm:fillClrLst>
+    <dgm:linClrLst meth="repeat">
+      <a:schemeClr val="lt1"/>
+    </dgm:linClrLst>
+    <dgm:effectClrLst/>
+    <dgm:txLinClrLst/>
+    <dgm:txFillClrLst/>
+    <dgm:txEffectClrLst/>
+  </dgm:styleLbl>
+  <dgm:styleLbl name="node3">
+    <dgm:fillClrLst>
+      <a:schemeClr val="accent4"/>
+    </dgm:fillClrLst>
+    <dgm:linClrLst meth="repeat">
+      <a:schemeClr val="lt1"/>
+    </dgm:linClrLst>
+    <dgm:effectClrLst/>
+    <dgm:txLinClrLst/>
+    <dgm:txFillClrLst/>
+    <dgm:txEffectClrLst/>
+  </dgm:styleLbl>
+  <dgm:styleLbl name="node4">
+    <dgm:fillClrLst>
+      <a:schemeClr val="accent5"/>
+    </dgm:fillClrLst>
+    <dgm:linClrLst meth="repeat">
+      <a:schemeClr val="lt1"/>
+    </dgm:linClrLst>
+    <dgm:effectClrLst/>
+    <dgm:txLinClrLst/>
+    <dgm:txFillClrLst/>
+    <dgm:txEffectClrLst/>
+  </dgm:styleLbl>
+  <dgm:styleLbl name="fgImgPlace1">
+    <dgm:fillClrLst>
+      <a:schemeClr val="accent2">
+        <a:tint val="50000"/>
+      </a:schemeClr>
+      <a:schemeClr val="accent3">
+        <a:tint val="50000"/>
+      </a:schemeClr>
+    </dgm:fillClrLst>
+    <dgm:linClrLst meth="repeat">
+      <a:schemeClr val="lt1"/>
+    </dgm:linClrLst>
+    <dgm:effectClrLst/>
+    <dgm:txLinClrLst/>
+    <dgm:txFillClrLst meth="repeat">
+      <a:schemeClr val="lt1"/>
+    </dgm:txFillClrLst>
+    <dgm:txEffectClrLst/>
+  </dgm:styleLbl>
+  <dgm:styleLbl name="alignImgPlace1">
+    <dgm:fillClrLst>
+      <a:schemeClr val="accent2">
+        <a:tint val="50000"/>
+      </a:schemeClr>
+      <a:schemeClr val="accent3">
+        <a:tint val="20000"/>
+      </a:schemeClr>
+    </dgm:fillClrLst>
+    <dgm:linClrLst meth="repeat">
+      <a:schemeClr val="lt1"/>
+    </dgm:linClrLst>
+    <dgm:effectClrLst/>
+    <dgm:txLinClrLst/>
+    <dgm:txFillClrLst meth="repeat">
+      <a:schemeClr val="lt1"/>
+    </dgm:txFillClrLst>
+    <dgm:txEffectClrLst/>
+  </dgm:styleLbl>
+  <dgm:styleLbl name="bgImgPlace1">
+    <dgm:fillClrLst>
+      <a:schemeClr val="accent2">
+        <a:tint val="50000"/>
+      </a:schemeClr>
+      <a:schemeClr val="accent3">
+        <a:tint val="20000"/>
+      </a:schemeClr>
+    </dgm:fillClrLst>
+    <dgm:linClrLst meth="repeat">
+      <a:schemeClr val="lt1"/>
+    </dgm:linClrLst>
+    <dgm:effectClrLst/>
+    <dgm:txLinClrLst/>
+    <dgm:txFillClrLst meth="repeat">
+      <a:schemeClr val="lt1"/>
+    </dgm:txFillClrLst>
+    <dgm:txEffectClrLst/>
+  </dgm:styleLbl>
+  <dgm:styleLbl name="sibTrans2D1">
+    <dgm:fillClrLst>
+      <a:schemeClr val="accent2"/>
+      <a:schemeClr val="accent3"/>
+    </dgm:fillClrLst>
+    <dgm:linClrLst meth="repeat">
+      <a:schemeClr val="lt1"/>
+    </dgm:linClrLst>
+    <dgm:effectClrLst/>
+    <dgm:txLinClrLst/>
+    <dgm:txFillClrLst/>
+    <dgm:txEffectClrLst/>
+  </dgm:styleLbl>
+  <dgm:styleLbl name="fgSibTrans2D1">
+    <dgm:fillClrLst>
+      <a:schemeClr val="accent2"/>
+      <a:schemeClr val="accent3"/>
+    </dgm:fillClrLst>
+    <dgm:linClrLst meth="repeat">
+      <a:schemeClr val="lt1"/>
+    </dgm:linClrLst>
+    <dgm:effectClrLst/>
+    <dgm:txLinClrLst/>
+    <dgm:txFillClrLst meth="repeat">
+      <a:schemeClr val="lt1"/>
+    </dgm:txFillClrLst>
+    <dgm:txEffectClrLst/>
+  </dgm:styleLbl>
+  <dgm:styleLbl name="bgSibTrans2D1">
+    <dgm:fillClrLst>
+      <a:schemeClr val="accent2"/>
+      <a:schemeClr val="accent3"/>
+    </dgm:fillClrLst>
+    <dgm:linClrLst meth="repeat">
+      <a:schemeClr val="lt1"/>
+    </dgm:linClrLst>
+    <dgm:effectClrLst/>
+    <dgm:txLinClrLst/>
+    <dgm:txFillClrLst meth="repeat">
+      <a:schemeClr val="lt1"/>
+    </dgm:txFillClrLst>
+    <dgm:txEffectClrLst/>
+  </dgm:styleLbl>
+  <dgm:styleLbl name="sibTrans1D1">
+    <dgm:fillClrLst/>
+    <dgm:linClrLst>
+      <a:schemeClr val="accent2"/>
+      <a:schemeClr val="accent3"/>
+    </dgm:linClrLst>
+    <dgm:effectClrLst/>
+    <dgm:txLinClrLst/>
+    <dgm:txFillClrLst meth="repeat">
+      <a:schemeClr val="tx1"/>
+    </dgm:txFillClrLst>
+    <dgm:txEffectClrLst/>
+  </dgm:styleLbl>
+  <dgm:styleLbl name="callout">
+    <dgm:fillClrLst meth="repeat">
+      <a:schemeClr val="accent2"/>
+    </dgm:fillClrLst>
+    <dgm:linClrLst meth="repeat">
+      <a:schemeClr val="accent2">
+        <a:tint val="50000"/>
+      </a:schemeClr>
+    </dgm:linClrLst>
+    <dgm:effectClrLst/>
+    <dgm:txLinClrLst/>
+    <dgm:txFillClrLst meth="repeat">
+      <a:schemeClr val="tx1"/>
+    </dgm:txFillClrLst>
+    <dgm:txEffectClrLst/>
+  </dgm:styleLbl>
+  <dgm:styleLbl name="asst0">
+    <dgm:fillClrLst meth="repeat">
+      <a:schemeClr val="accent2"/>
+    </dgm:fillClrLst>
+    <dgm:linClrLst meth="repeat">
+      <a:schemeClr val="lt1">
+        <a:shade val="80000"/>
+      </a:schemeClr>
+    </dgm:linClrLst>
+    <dgm:effectClrLst/>
+    <dgm:txLinClrLst/>
+    <dgm:txFillClrLst/>
+    <dgm:txEffectClrLst/>
+  </dgm:styleLbl>
+  <dgm:styleLbl name="asst1">
+    <dgm:fillClrLst meth="repeat">
+      <a:schemeClr val="accent3"/>
+    </dgm:fillClrLst>
+    <dgm:linClrLst meth="repeat">
+      <a:schemeClr val="lt1">
+        <a:shade val="80000"/>
+      </a:schemeClr>
+    </dgm:linClrLst>
+    <dgm:effectClrLst/>
+    <dgm:txLinClrLst/>
+    <dgm:txFillClrLst/>
+    <dgm:txEffectClrLst/>
+  </dgm:styleLbl>
+  <dgm:styleLbl name="asst2">
+    <dgm:fillClrLst>
+      <a:schemeClr val="accent4"/>
+    </dgm:fillClrLst>
+    <dgm:linClrLst meth="repeat">
+      <a:schemeClr val="lt1"/>
+    </dgm:linClrLst>
+    <dgm:effectClrLst/>
+    <dgm:txLinClrLst/>
+    <dgm:txFillClrLst/>
+    <dgm:txEffectClrLst/>
+  </dgm:styleLbl>
+  <dgm:styleLbl name="asst3">
+    <dgm:fillClrLst>
+      <a:schemeClr val="accent5"/>
+    </dgm:fillClrLst>
+    <dgm:linClrLst meth="repeat">
+      <a:schemeClr val="lt1"/>
+    </dgm:linClrLst>
+    <dgm:effectClrLst/>
+    <dgm:txLinClrLst/>
+    <dgm:txFillClrLst/>
+    <dgm:txEffectClrLst/>
+  </dgm:styleLbl>
+  <dgm:styleLbl name="asst4">
+    <dgm:fillClrLst>
+      <a:schemeClr val="accent6"/>
+    </dgm:fillClrLst>
+    <dgm:linClrLst meth="repeat">
+      <a:schemeClr val="lt1"/>
+    </dgm:linClrLst>
+    <dgm:effectClrLst/>
+    <dgm:txLinClrLst/>
+    <dgm:txFillClrLst/>
+    <dgm:txEffectClrLst/>
+  </dgm:styleLbl>
+  <dgm:styleLbl name="parChTrans2D1">
+    <dgm:fillClrLst meth="repeat">
+      <a:schemeClr val="accent2"/>
+    </dgm:fillClrLst>
+    <dgm:linClrLst meth="repeat">
+      <a:schemeClr val="lt1"/>
+    </dgm:linClrLst>
+    <dgm:effectClrLst/>
+    <dgm:txLinClrLst/>
+    <dgm:txFillClrLst meth="repeat">
+      <a:schemeClr val="lt1"/>
+    </dgm:txFillClrLst>
+    <dgm:txEffectClrLst/>
+  </dgm:styleLbl>
+  <dgm:styleLbl name="parChTrans2D2">
+    <dgm:fillClrLst meth="repeat">
+      <a:schemeClr val="accent3"/>
+    </dgm:fillClrLst>
+    <dgm:linClrLst meth="repeat">
+      <a:schemeClr val="lt1"/>
+    </dgm:linClrLst>
+    <dgm:effectClrLst/>
+    <dgm:txLinClrLst/>
+    <dgm:txFillClrLst/>
+    <dgm:txEffectClrLst/>
+  </dgm:styleLbl>
+  <dgm:styleLbl name="parChTrans2D3">
+    <dgm:fillClrLst meth="repeat">
+      <a:schemeClr val="accent4"/>
+    </dgm:fillClrLst>
+    <dgm:linClrLst meth="repeat">
+      <a:schemeClr val="lt1"/>
+    </dgm:linClrLst>
+    <dgm:effectClrLst/>
+    <dgm:txLinClrLst/>
+    <dgm:txFillClrLst/>
+    <dgm:txEffectClrLst/>
+  </dgm:styleLbl>
+  <dgm:styleLbl name="parChTrans2D4">
+    <dgm:fillClrLst meth="repeat">
+      <a:schemeClr val="accent5"/>
+    </dgm:fillClrLst>
+    <dgm:linClrLst meth="repeat">
+      <a:schemeClr val="lt1"/>
+    </dgm:linClrLst>
+    <dgm:effectClrLst/>
+    <dgm:txLinClrLst/>
+    <dgm:txFillClrLst meth="repeat">
+      <a:schemeClr val="lt1"/>
+    </dgm:txFillClrLst>
+    <dgm:txEffectClrLst/>
+  </dgm:styleLbl>
+  <dgm:styleLbl name="parChTrans1D1">
+    <dgm:fillClrLst meth="repeat">
+      <a:schemeClr val="accent2"/>
+    </dgm:fillClrLst>
+    <dgm:linClrLst meth="repeat">
+      <a:schemeClr val="accent2"/>
+    </dgm:linClrLst>
+    <dgm:effectClrLst/>
+    <dgm:txLinClrLst/>
+    <dgm:txFillClrLst meth="repeat">
+      <a:schemeClr val="tx1"/>
+    </dgm:txFillClrLst>
+    <dgm:txEffectClrLst/>
+  </dgm:styleLbl>
+  <dgm:styleLbl name="parChTrans1D2">
+    <dgm:fillClrLst meth="repeat">
+      <a:schemeClr val="accent2">
+        <a:tint val="90000"/>
+      </a:schemeClr>
+    </dgm:fillClrLst>
+    <dgm:linClrLst meth="repeat">
+      <a:schemeClr val="accent3"/>
+    </dgm:linClrLst>
+    <dgm:effectClrLst/>
+    <dgm:txLinClrLst/>
+    <dgm:txFillClrLst meth="repeat">
+      <a:schemeClr val="tx1"/>
+    </dgm:txFillClrLst>
+    <dgm:txEffectClrLst/>
+  </dgm:styleLbl>
+  <dgm:styleLbl name="parChTrans1D3">
+    <dgm:fillClrLst meth="repeat">
+      <a:schemeClr val="accent2">
+        <a:tint val="70000"/>
+      </a:schemeClr>
+    </dgm:fillClrLst>
+    <dgm:linClrLst meth="repeat">
+      <a:schemeClr val="accent4"/>
+    </dgm:linClrLst>
+    <dgm:effectClrLst/>
+    <dgm:txLinClrLst/>
+    <dgm:txFillClrLst meth="repeat">
+      <a:schemeClr val="tx1"/>
+    </dgm:txFillClrLst>
+    <dgm:txEffectClrLst/>
+  </dgm:styleLbl>
+  <dgm:styleLbl name="parChTrans1D4">
+    <dgm:fillClrLst meth="repeat">
+      <a:schemeClr val="accent2">
+        <a:tint val="50000"/>
+      </a:schemeClr>
+    </dgm:fillClrLst>
+    <dgm:linClrLst meth="repeat">
+      <a:schemeClr val="accent5"/>
+    </dgm:linClrLst>
+    <dgm:effectClrLst/>
+    <dgm:txLinClrLst/>
+    <dgm:txFillClrLst meth="repeat">
+      <a:schemeClr val="tx1"/>
+    </dgm:txFillClrLst>
+    <dgm:txEffectClrLst/>
+  </dgm:styleLbl>
+  <dgm:styleLbl name="fgAcc1">
+    <dgm:fillClrLst meth="repeat">
+      <a:schemeClr val="lt1">
+        <a:alpha val="90000"/>
+      </a:schemeClr>
+    </dgm:fillClrLst>
+    <dgm:linClrLst>
+      <a:schemeClr val="accent2"/>
+      <a:schemeClr val="accent3"/>
+    </dgm:linClrLst>
+    <dgm:effectClrLst/>
+    <dgm:txLinClrLst/>
+    <dgm:txFillClrLst meth="repeat">
+      <a:schemeClr val="dk1"/>
+    </dgm:txFillClrLst>
+    <dgm:txEffectClrLst/>
+  </dgm:styleLbl>
+  <dgm:styleLbl name="conFgAcc1">
+    <dgm:fillClrLst meth="repeat">
+      <a:schemeClr val="lt1">
+        <a:alpha val="90000"/>
+      </a:schemeClr>
+    </dgm:fillClrLst>
+    <dgm:linClrLst>
+      <a:schemeClr val="accent2"/>
+      <a:schemeClr val="accent3"/>
+    </dgm:linClrLst>
+    <dgm:effectClrLst/>
+    <dgm:txLinClrLst/>
+    <dgm:txFillClrLst meth="repeat">
+      <a:schemeClr val="dk1"/>
+    </dgm:txFillClrLst>
+    <dgm:txEffectClrLst/>
+  </dgm:styleLbl>
+  <dgm:styleLbl name="alignAcc1">
+    <dgm:fillClrLst meth="repeat">
+      <a:schemeClr val="lt1">
+        <a:alpha val="90000"/>
+      </a:schemeClr>
+    </dgm:fillClrLst>
+    <dgm:linClrLst>
+      <a:schemeClr val="accent2"/>
+      <a:schemeClr val="accent3"/>
+    </dgm:linClrLst>
+    <dgm:effectClrLst/>
+    <dgm:txLinClrLst/>
+    <dgm:txFillClrLst meth="repeat">
+      <a:schemeClr val="dk1"/>
+    </dgm:txFillClrLst>
+    <dgm:txEffectClrLst/>
+  </dgm:styleLbl>
+  <dgm:styleLbl name="trAlignAcc1">
+    <dgm:fillClrLst meth="repeat">
+      <a:schemeClr val="lt1">
+        <a:alpha val="40000"/>
+      </a:schemeClr>
+    </dgm:fillClrLst>
+    <dgm:linClrLst meth="repeat">
+      <a:schemeClr val="accent2"/>
+    </dgm:linClrLst>
+    <dgm:effectClrLst/>
+    <dgm:txLinClrLst/>
+    <dgm:txFillClrLst meth="repeat">
+      <a:schemeClr val="dk1"/>
+    </dgm:txFillClrLst>
+    <dgm:txEffectClrLst/>
+  </dgm:styleLbl>
+  <dgm:styleLbl name="bgAcc1">
+    <dgm:fillClrLst meth="repeat">
+      <a:schemeClr val="lt1">
+        <a:alpha val="90000"/>
+      </a:schemeClr>
+    </dgm:fillClrLst>
+    <dgm:linClrLst>
+      <a:schemeClr val="accent2"/>
+      <a:schemeClr val="accent3"/>
+    </dgm:linClrLst>
+    <dgm:effectClrLst/>
+    <dgm:txLinClrLst/>
+    <dgm:txFillClrLst meth="repeat">
+      <a:schemeClr val="dk1"/>
+    </dgm:txFillClrLst>
+    <dgm:txEffectClrLst/>
+  </dgm:styleLbl>
+  <dgm:styleLbl name="solidFgAcc1">
+    <dgm:fillClrLst meth="repeat">
+      <a:schemeClr val="lt1"/>
+    </dgm:fillClrLst>
+    <dgm:linClrLst>
+      <a:schemeClr val="accent2"/>
+      <a:schemeClr val="accent3"/>
+    </dgm:linClrLst>
+    <dgm:effectClrLst/>
+    <dgm:txLinClrLst/>
+    <dgm:txFillClrLst meth="repeat">
+      <a:schemeClr val="dk1"/>
+    </dgm:txFillClrLst>
+    <dgm:txEffectClrLst/>
+  </dgm:styleLbl>
+  <dgm:styleLbl name="solidAlignAcc1">
+    <dgm:fillClrLst meth="repeat">
+      <a:schemeClr val="lt1"/>
+    </dgm:fillClrLst>
+    <dgm:linClrLst>
+      <a:schemeClr val="accent2"/>
+      <a:schemeClr val="accent3"/>
+    </dgm:linClrLst>
+    <dgm:effectClrLst/>
+    <dgm:txLinClrLst/>
+    <dgm:txFillClrLst meth="repeat">
+      <a:schemeClr val="dk1"/>
+    </dgm:txFillClrLst>
+    <dgm:txEffectClrLst/>
+  </dgm:styleLbl>
+  <dgm:styleLbl name="solidBgAcc1">
+    <dgm:fillClrLst meth="repeat">
+      <a:schemeClr val="lt1"/>
+    </dgm:fillClrLst>
+    <dgm:linClrLst>
+      <a:schemeClr val="accent2"/>
+      <a:schemeClr val="accent3"/>
+    </dgm:linClrLst>
+    <dgm:effectClrLst/>
+    <dgm:txLinClrLst/>
+    <dgm:txFillClrLst meth="repeat">
+      <a:schemeClr val="dk1"/>
+    </dgm:txFillClrLst>
+    <dgm:txEffectClrLst/>
+  </dgm:styleLbl>
+  <dgm:styleLbl name="fgAccFollowNode1">
+    <dgm:fillClrLst>
+      <a:schemeClr val="accent2">
+        <a:tint val="40000"/>
+        <a:alpha val="90000"/>
+      </a:schemeClr>
+      <a:schemeClr val="accent3">
+        <a:tint val="40000"/>
+        <a:alpha val="90000"/>
+      </a:schemeClr>
+    </dgm:fillClrLst>
+    <dgm:linClrLst>
+      <a:schemeClr val="accent2">
+        <a:tint val="40000"/>
+        <a:alpha val="90000"/>
+      </a:schemeClr>
+      <a:schemeClr val="accent3">
+        <a:tint val="40000"/>
+        <a:alpha val="90000"/>
+      </a:schemeClr>
+    </dgm:linClrLst>
+    <dgm:effectClrLst/>
+    <dgm:txLinClrLst/>
+    <dgm:txFillClrLst meth="repeat">
+      <a:schemeClr val="dk1"/>
+    </dgm:txFillClrLst>
+    <dgm:txEffectClrLst/>
+  </dgm:styleLbl>
+  <dgm:styleLbl name="alignAccFollowNode1">
+    <dgm:fillClrLst>
+      <a:schemeClr val="accent2">
+        <a:tint val="40000"/>
+        <a:alpha val="90000"/>
+      </a:schemeClr>
+      <a:schemeClr val="accent3">
+        <a:tint val="40000"/>
+        <a:alpha val="90000"/>
+      </a:schemeClr>
+    </dgm:fillClrLst>
+    <dgm:linClrLst>
+      <a:schemeClr val="accent2">
+        <a:tint val="40000"/>
+        <a:alpha val="90000"/>
+      </a:schemeClr>
+      <a:schemeClr val="accent3">
+        <a:tint val="40000"/>
+        <a:alpha val="90000"/>
+      </a:schemeClr>
+    </dgm:linClrLst>
+    <dgm:effectClrLst/>
+    <dgm:txLinClrLst/>
+    <dgm:txFillClrLst meth="repeat">
+      <a:schemeClr val="dk1"/>
+    </dgm:txFillClrLst>
+    <dgm:txEffectClrLst/>
+  </dgm:styleLbl>
+  <dgm:styleLbl name="bgAccFollowNode1">
+    <dgm:fillClrLst>
+      <a:schemeClr val="accent2">
+        <a:tint val="40000"/>
+        <a:alpha val="90000"/>
+      </a:schemeClr>
+      <a:schemeClr val="accent3">
+        <a:tint val="40000"/>
+        <a:alpha val="90000"/>
+      </a:schemeClr>
+    </dgm:fillClrLst>
+    <dgm:linClrLst>
+      <a:schemeClr val="accent2">
+        <a:tint val="40000"/>
+        <a:alpha val="90000"/>
+      </a:schemeClr>
+      <a:schemeClr val="accent3">
+        <a:tint val="40000"/>
+        <a:alpha val="90000"/>
+      </a:schemeClr>
+    </dgm:linClrLst>
+    <dgm:effectClrLst/>
+    <dgm:txLinClrLst/>
+    <dgm:txFillClrLst meth="repeat">
+      <a:schemeClr val="dk1"/>
+    </dgm:txFillClrLst>
+    <dgm:txEffectClrLst/>
+  </dgm:styleLbl>
+  <dgm:styleLbl name="fgAcc0">
+    <dgm:fillClrLst meth="repeat">
+      <a:schemeClr val="lt1">
+        <a:alpha val="90000"/>
+      </a:schemeClr>
+    </dgm:fillClrLst>
+    <dgm:linClrLst>
+      <a:schemeClr val="accent1"/>
+    </dgm:linClrLst>
+    <dgm:effectClrLst/>
+    <dgm:txLinClrLst/>
+    <dgm:txFillClrLst meth="repeat">
+      <a:schemeClr val="dk1"/>
+    </dgm:txFillClrLst>
+    <dgm:txEffectClrLst/>
+  </dgm:styleLbl>
+  <dgm:styleLbl name="fgAcc2">
+    <dgm:fillClrLst meth="repeat">
+      <a:schemeClr val="lt1">
+        <a:alpha val="90000"/>
+      </a:schemeClr>
+    </dgm:fillClrLst>
+    <dgm:linClrLst>
+      <a:schemeClr val="accent3"/>
+    </dgm:linClrLst>
+    <dgm:effectClrLst/>
+    <dgm:txLinClrLst/>
+    <dgm:txFillClrLst meth="repeat">
+      <a:schemeClr val="dk1"/>
+    </dgm:txFillClrLst>
+    <dgm:txEffectClrLst/>
+  </dgm:styleLbl>
+  <dgm:styleLbl name="fgAcc3">
+    <dgm:fillClrLst meth="repeat">
+      <a:schemeClr val="lt1">
+        <a:alpha val="90000"/>
+      </a:schemeClr>
+    </dgm:fillClrLst>
+    <dgm:linClrLst>
+      <a:schemeClr val="accent4"/>
+    </dgm:linClrLst>
+    <dgm:effectClrLst/>
+    <dgm:txLinClrLst/>
+    <dgm:txFillClrLst meth="repeat">
+      <a:schemeClr val="dk1"/>
+    </dgm:txFillClrLst>
+    <dgm:txEffectClrLst/>
+  </dgm:styleLbl>
+  <dgm:styleLbl name="fgAcc4">
+    <dgm:fillClrLst meth="repeat">
+      <a:schemeClr val="lt1">
+        <a:alpha val="90000"/>
+      </a:schemeClr>
+    </dgm:fillClrLst>
+    <dgm:linClrLst>
+      <a:schemeClr val="accent5"/>
+    </dgm:linClrLst>
+    <dgm:effectClrLst/>
+    <dgm:txLinClrLst/>
+    <dgm:txFillClrLst meth="repeat">
+      <a:schemeClr val="dk1"/>
+    </dgm:txFillClrLst>
+    <dgm:txEffectClrLst/>
+  </dgm:styleLbl>
+  <dgm:styleLbl name="bgShp">
+    <dgm:fillClrLst meth="repeat">
+      <a:schemeClr val="accent2">
+        <a:tint val="40000"/>
+      </a:schemeClr>
+    </dgm:fillClrLst>
+    <dgm:linClrLst meth="repeat">
+      <a:schemeClr val="dk1"/>
+    </dgm:linClrLst>
+    <dgm:effectClrLst/>
+    <dgm:txLinClrLst/>
+    <dgm:txFillClrLst meth="repeat">
+      <a:schemeClr val="dk1"/>
+    </dgm:txFillClrLst>
+    <dgm:txEffectClrLst/>
+  </dgm:styleLbl>
+  <dgm:styleLbl name="dkBgShp">
+    <dgm:fillClrLst meth="repeat">
+      <a:schemeClr val="accent2">
+        <a:shade val="90000"/>
+      </a:schemeClr>
+    </dgm:fillClrLst>
+    <dgm:linClrLst meth="repeat">
+      <a:schemeClr val="dk1"/>
+    </dgm:linClrLst>
+    <dgm:effectClrLst/>
+    <dgm:txLinClrLst/>
+    <dgm:txFillClrLst meth="repeat">
+      <a:schemeClr val="lt1"/>
+    </dgm:txFillClrLst>
+    <dgm:txEffectClrLst/>
+  </dgm:styleLbl>
+  <dgm:styleLbl name="trBgShp">
+    <dgm:fillClrLst meth="repeat">
+      <a:schemeClr val="accent2">
+        <a:tint val="50000"/>
+        <a:alpha val="40000"/>
+      </a:schemeClr>
+    </dgm:fillClrLst>
+    <dgm:linClrLst meth="repeat">
+      <a:schemeClr val="accent2"/>
+    </dgm:linClrLst>
+    <dgm:effectClrLst/>
+    <dgm:txLinClrLst/>
+    <dgm:txFillClrLst meth="repeat">
+      <a:schemeClr val="lt1"/>
+    </dgm:txFillClrLst>
+    <dgm:txEffectClrLst/>
+  </dgm:styleLbl>
+  <dgm:styleLbl name="fgShp">
+    <dgm:fillClrLst meth="repeat">
+      <a:schemeClr val="accent2">
+        <a:tint val="40000"/>
+      </a:schemeClr>
+    </dgm:fillClrLst>
+    <dgm:linClrLst meth="repeat">
+      <a:schemeClr val="lt1"/>
+    </dgm:linClrLst>
+    <dgm:effectClrLst/>
+    <dgm:txLinClrLst/>
+    <dgm:txFillClrLst meth="repeat">
+      <a:schemeClr val="dk1"/>
+    </dgm:txFillClrLst>
+    <dgm:txEffectClrLst/>
+  </dgm:styleLbl>
+  <dgm:styleLbl name="revTx">
+    <dgm:fillClrLst meth="repeat">
+      <a:schemeClr val="lt1">
+        <a:alpha val="0"/>
+      </a:schemeClr>
+    </dgm:fillClrLst>
+    <dgm:linClrLst meth="repeat">
+      <a:schemeClr val="dk1">
+        <a:alpha val="0"/>
+      </a:schemeClr>
+    </dgm:linClrLst>
+    <dgm:effectClrLst/>
+    <dgm:txLinClrLst/>
+    <dgm:txFillClrLst meth="repeat">
+      <a:schemeClr val="tx1"/>
+    </dgm:txFillClrLst>
+    <dgm:txEffectClrLst/>
+  </dgm:styleLbl>
+</dgm:colorsDef>
+</file>
+
+<file path=ppt/diagrams/colors4.xml><?xml version="1.0" encoding="utf-8"?>
 <dgm:colorsDef xmlns:dgm="http://schemas.openxmlformats.org/drawingml/2006/diagram" xmlns:a="http://schemas.openxmlformats.org/drawingml/2006/main" uniqueId="urn:microsoft.com/office/officeart/2005/8/colors/ColorSchemeForSuggestions">
   <dgm:title val="Color Scheme for Suggestions"/>
   <dgm:desc val="Color Scheme for Suggestions"/>
@@ -2847,6 +3629,458 @@
 <file path=ppt/diagrams/data3.xml><?xml version="1.0" encoding="utf-8"?>
 <dgm:dataModel xmlns:dgm="http://schemas.openxmlformats.org/drawingml/2006/diagram" xmlns:a="http://schemas.openxmlformats.org/drawingml/2006/main">
   <dgm:ptLst>
+    <dgm:pt modelId="{A8431A0A-D781-40EF-9042-1CA0C1FB7613}" type="doc">
+      <dgm:prSet loTypeId="urn:microsoft.com/office/officeart/2005/8/layout/default" loCatId="Inbox" qsTypeId="urn:microsoft.com/office/officeart/2005/8/quickstyle/simple2" qsCatId="simple" csTypeId="urn:microsoft.com/office/officeart/2005/8/colors/colorful2" csCatId="colorful"/>
+      <dgm:spPr/>
+      <dgm:t>
+        <a:bodyPr/>
+        <a:lstStyle/>
+        <a:p>
+          <a:endParaRPr lang="en-US"/>
+        </a:p>
+      </dgm:t>
+    </dgm:pt>
+    <dgm:pt modelId="{B719DCDC-EF0D-416D-834D-94063D194B09}">
+      <dgm:prSet/>
+      <dgm:spPr/>
+      <dgm:t>
+        <a:bodyPr/>
+        <a:lstStyle/>
+        <a:p>
+          <a:r>
+            <a:rPr lang="en-US"/>
+            <a:t>False Connection: Headlines, visuals or captions don’t support the content</a:t>
+          </a:r>
+        </a:p>
+      </dgm:t>
+    </dgm:pt>
+    <dgm:pt modelId="{2401A77F-6E11-4317-A68E-EA4E947F8FD0}" type="parTrans" cxnId="{EBC9761D-E591-4573-A499-F1893C4CFE46}">
+      <dgm:prSet/>
+      <dgm:spPr/>
+      <dgm:t>
+        <a:bodyPr/>
+        <a:lstStyle/>
+        <a:p>
+          <a:endParaRPr lang="en-US"/>
+        </a:p>
+      </dgm:t>
+    </dgm:pt>
+    <dgm:pt modelId="{CA275562-25D9-4D1C-89B0-3D72E408F54E}" type="sibTrans" cxnId="{EBC9761D-E591-4573-A499-F1893C4CFE46}">
+      <dgm:prSet/>
+      <dgm:spPr/>
+      <dgm:t>
+        <a:bodyPr/>
+        <a:lstStyle/>
+        <a:p>
+          <a:endParaRPr lang="en-US"/>
+        </a:p>
+      </dgm:t>
+    </dgm:pt>
+    <dgm:pt modelId="{9051EEDD-CCED-45C4-A760-228F8177E864}">
+      <dgm:prSet/>
+      <dgm:spPr/>
+      <dgm:t>
+        <a:bodyPr/>
+        <a:lstStyle/>
+        <a:p>
+          <a:r>
+            <a:rPr lang="en-US"/>
+            <a:t>False Context: Genuine content is shared with false contextual information</a:t>
+          </a:r>
+        </a:p>
+      </dgm:t>
+    </dgm:pt>
+    <dgm:pt modelId="{B9821595-6583-40A3-B6E1-0CA2F6CAE83F}" type="parTrans" cxnId="{FDEB162B-AA0C-47C9-8520-E2A69402B1CD}">
+      <dgm:prSet/>
+      <dgm:spPr/>
+      <dgm:t>
+        <a:bodyPr/>
+        <a:lstStyle/>
+        <a:p>
+          <a:endParaRPr lang="en-US"/>
+        </a:p>
+      </dgm:t>
+    </dgm:pt>
+    <dgm:pt modelId="{D11F9EB4-80F6-4F2B-868D-CF57B1AF784A}" type="sibTrans" cxnId="{FDEB162B-AA0C-47C9-8520-E2A69402B1CD}">
+      <dgm:prSet/>
+      <dgm:spPr/>
+      <dgm:t>
+        <a:bodyPr/>
+        <a:lstStyle/>
+        <a:p>
+          <a:endParaRPr lang="en-US"/>
+        </a:p>
+      </dgm:t>
+    </dgm:pt>
+    <dgm:pt modelId="{C6EDB550-F3DE-4C30-8F54-48C0B7B847A5}">
+      <dgm:prSet/>
+      <dgm:spPr/>
+      <dgm:t>
+        <a:bodyPr/>
+        <a:lstStyle/>
+        <a:p>
+          <a:r>
+            <a:rPr lang="en-US"/>
+            <a:t>Manipulated content: Genuine information or  imagery is manipulated</a:t>
+          </a:r>
+        </a:p>
+      </dgm:t>
+    </dgm:pt>
+    <dgm:pt modelId="{7EEE981A-12DE-4686-A417-5FE9AEB173F2}" type="parTrans" cxnId="{9022A334-830D-48EF-B5F1-918C3C631ED8}">
+      <dgm:prSet/>
+      <dgm:spPr/>
+      <dgm:t>
+        <a:bodyPr/>
+        <a:lstStyle/>
+        <a:p>
+          <a:endParaRPr lang="en-US"/>
+        </a:p>
+      </dgm:t>
+    </dgm:pt>
+    <dgm:pt modelId="{2F20C1BD-F019-4386-AA92-F06E0D523DE3}" type="sibTrans" cxnId="{9022A334-830D-48EF-B5F1-918C3C631ED8}">
+      <dgm:prSet/>
+      <dgm:spPr/>
+      <dgm:t>
+        <a:bodyPr/>
+        <a:lstStyle/>
+        <a:p>
+          <a:endParaRPr lang="en-US"/>
+        </a:p>
+      </dgm:t>
+    </dgm:pt>
+    <dgm:pt modelId="{C13682B9-2F2A-4EDF-A30E-68171A57F5D1}">
+      <dgm:prSet/>
+      <dgm:spPr/>
+      <dgm:t>
+        <a:bodyPr/>
+        <a:lstStyle/>
+        <a:p>
+          <a:r>
+            <a:rPr lang="en-US"/>
+            <a:t>Satire or Parody: No intention to cause harm but potential to fool</a:t>
+          </a:r>
+        </a:p>
+      </dgm:t>
+    </dgm:pt>
+    <dgm:pt modelId="{336C07AA-A8D3-4654-A5BD-E74810D20513}" type="parTrans" cxnId="{AA55C026-3143-4B7D-85AB-9A16D75C5D14}">
+      <dgm:prSet/>
+      <dgm:spPr/>
+      <dgm:t>
+        <a:bodyPr/>
+        <a:lstStyle/>
+        <a:p>
+          <a:endParaRPr lang="en-US"/>
+        </a:p>
+      </dgm:t>
+    </dgm:pt>
+    <dgm:pt modelId="{32A3FBCA-698D-450E-A955-B5A728A371DF}" type="sibTrans" cxnId="{AA55C026-3143-4B7D-85AB-9A16D75C5D14}">
+      <dgm:prSet/>
+      <dgm:spPr/>
+      <dgm:t>
+        <a:bodyPr/>
+        <a:lstStyle/>
+        <a:p>
+          <a:endParaRPr lang="en-US"/>
+        </a:p>
+      </dgm:t>
+    </dgm:pt>
+    <dgm:pt modelId="{569EE82E-36E1-4E29-B323-6347398A51AC}">
+      <dgm:prSet/>
+      <dgm:spPr/>
+      <dgm:t>
+        <a:bodyPr/>
+        <a:lstStyle/>
+        <a:p>
+          <a:r>
+            <a:rPr lang="en-US"/>
+            <a:t>Misleading Content: Misleading use of information to frame an issue/individual</a:t>
+          </a:r>
+        </a:p>
+      </dgm:t>
+    </dgm:pt>
+    <dgm:pt modelId="{E2FAF72E-4655-47CE-98E9-E2ACCFF1AAAE}" type="parTrans" cxnId="{1A9F92BB-5DC1-4D90-AB93-54083F501121}">
+      <dgm:prSet/>
+      <dgm:spPr/>
+      <dgm:t>
+        <a:bodyPr/>
+        <a:lstStyle/>
+        <a:p>
+          <a:endParaRPr lang="en-US"/>
+        </a:p>
+      </dgm:t>
+    </dgm:pt>
+    <dgm:pt modelId="{A9472485-3294-4701-971C-6C87686B147C}" type="sibTrans" cxnId="{1A9F92BB-5DC1-4D90-AB93-54083F501121}">
+      <dgm:prSet/>
+      <dgm:spPr/>
+      <dgm:t>
+        <a:bodyPr/>
+        <a:lstStyle/>
+        <a:p>
+          <a:endParaRPr lang="en-US"/>
+        </a:p>
+      </dgm:t>
+    </dgm:pt>
+    <dgm:pt modelId="{3715E953-FCE0-4329-BC28-D3D71758E3D5}">
+      <dgm:prSet/>
+      <dgm:spPr/>
+      <dgm:t>
+        <a:bodyPr/>
+        <a:lstStyle/>
+        <a:p>
+          <a:r>
+            <a:rPr lang="en-US"/>
+            <a:t>Imposter Content: Impersonation of genuine sources</a:t>
+          </a:r>
+        </a:p>
+      </dgm:t>
+    </dgm:pt>
+    <dgm:pt modelId="{805FF429-41EC-43C8-A36A-B951FA21F8DD}" type="parTrans" cxnId="{5AE8C680-3238-46E5-8754-13DF98F41D8C}">
+      <dgm:prSet/>
+      <dgm:spPr/>
+      <dgm:t>
+        <a:bodyPr/>
+        <a:lstStyle/>
+        <a:p>
+          <a:endParaRPr lang="en-US"/>
+        </a:p>
+      </dgm:t>
+    </dgm:pt>
+    <dgm:pt modelId="{63A8EBCA-B773-431A-9354-E0B06422B720}" type="sibTrans" cxnId="{5AE8C680-3238-46E5-8754-13DF98F41D8C}">
+      <dgm:prSet/>
+      <dgm:spPr/>
+      <dgm:t>
+        <a:bodyPr/>
+        <a:lstStyle/>
+        <a:p>
+          <a:endParaRPr lang="en-US"/>
+        </a:p>
+      </dgm:t>
+    </dgm:pt>
+    <dgm:pt modelId="{5876D2CB-144D-4727-9922-03183E9848F6}">
+      <dgm:prSet/>
+      <dgm:spPr/>
+      <dgm:t>
+        <a:bodyPr/>
+        <a:lstStyle/>
+        <a:p>
+          <a:r>
+            <a:rPr lang="en-US"/>
+            <a:t>Fabricated content: New content that is 100% false</a:t>
+          </a:r>
+        </a:p>
+      </dgm:t>
+    </dgm:pt>
+    <dgm:pt modelId="{16A9E162-E33B-4C02-B031-1860A18AC4A8}" type="parTrans" cxnId="{F74B01BA-53C3-46D7-BA0C-B56A151ADC4E}">
+      <dgm:prSet/>
+      <dgm:spPr/>
+      <dgm:t>
+        <a:bodyPr/>
+        <a:lstStyle/>
+        <a:p>
+          <a:endParaRPr lang="en-US"/>
+        </a:p>
+      </dgm:t>
+    </dgm:pt>
+    <dgm:pt modelId="{6EEDAA81-42BD-44A4-B113-14095A9B8164}" type="sibTrans" cxnId="{F74B01BA-53C3-46D7-BA0C-B56A151ADC4E}">
+      <dgm:prSet/>
+      <dgm:spPr/>
+      <dgm:t>
+        <a:bodyPr/>
+        <a:lstStyle/>
+        <a:p>
+          <a:endParaRPr lang="en-US"/>
+        </a:p>
+      </dgm:t>
+    </dgm:pt>
+    <dgm:pt modelId="{E67CAFDE-0FB9-1340-9337-32538318CDDE}" type="pres">
+      <dgm:prSet presAssocID="{A8431A0A-D781-40EF-9042-1CA0C1FB7613}" presName="diagram" presStyleCnt="0">
+        <dgm:presLayoutVars>
+          <dgm:dir/>
+          <dgm:resizeHandles val="exact"/>
+        </dgm:presLayoutVars>
+      </dgm:prSet>
+      <dgm:spPr/>
+      <dgm:t>
+        <a:bodyPr/>
+        <a:lstStyle/>
+        <a:p>
+          <a:endParaRPr lang="en-US"/>
+        </a:p>
+      </dgm:t>
+    </dgm:pt>
+    <dgm:pt modelId="{4CC2B298-5C6B-504A-8BB6-412DA02DAE58}" type="pres">
+      <dgm:prSet presAssocID="{B719DCDC-EF0D-416D-834D-94063D194B09}" presName="node" presStyleLbl="node1" presStyleIdx="0" presStyleCnt="7">
+        <dgm:presLayoutVars>
+          <dgm:bulletEnabled val="1"/>
+        </dgm:presLayoutVars>
+      </dgm:prSet>
+      <dgm:spPr/>
+      <dgm:t>
+        <a:bodyPr/>
+        <a:lstStyle/>
+        <a:p>
+          <a:endParaRPr lang="en-US"/>
+        </a:p>
+      </dgm:t>
+    </dgm:pt>
+    <dgm:pt modelId="{49CD7F32-D7DE-E14E-819B-B3F0966BB99E}" type="pres">
+      <dgm:prSet presAssocID="{CA275562-25D9-4D1C-89B0-3D72E408F54E}" presName="sibTrans" presStyleCnt="0"/>
+      <dgm:spPr/>
+    </dgm:pt>
+    <dgm:pt modelId="{E2C6DD04-5289-8E42-ABBF-653E610F9C80}" type="pres">
+      <dgm:prSet presAssocID="{9051EEDD-CCED-45C4-A760-228F8177E864}" presName="node" presStyleLbl="node1" presStyleIdx="1" presStyleCnt="7">
+        <dgm:presLayoutVars>
+          <dgm:bulletEnabled val="1"/>
+        </dgm:presLayoutVars>
+      </dgm:prSet>
+      <dgm:spPr/>
+      <dgm:t>
+        <a:bodyPr/>
+        <a:lstStyle/>
+        <a:p>
+          <a:endParaRPr lang="en-US"/>
+        </a:p>
+      </dgm:t>
+    </dgm:pt>
+    <dgm:pt modelId="{B8B1544C-ED0D-8E4B-AB5F-ED8C94299BF4}" type="pres">
+      <dgm:prSet presAssocID="{D11F9EB4-80F6-4F2B-868D-CF57B1AF784A}" presName="sibTrans" presStyleCnt="0"/>
+      <dgm:spPr/>
+    </dgm:pt>
+    <dgm:pt modelId="{2CABB215-B663-1440-8A7E-6D3E41374E92}" type="pres">
+      <dgm:prSet presAssocID="{C6EDB550-F3DE-4C30-8F54-48C0B7B847A5}" presName="node" presStyleLbl="node1" presStyleIdx="2" presStyleCnt="7">
+        <dgm:presLayoutVars>
+          <dgm:bulletEnabled val="1"/>
+        </dgm:presLayoutVars>
+      </dgm:prSet>
+      <dgm:spPr/>
+      <dgm:t>
+        <a:bodyPr/>
+        <a:lstStyle/>
+        <a:p>
+          <a:endParaRPr lang="en-US"/>
+        </a:p>
+      </dgm:t>
+    </dgm:pt>
+    <dgm:pt modelId="{5172EF1D-9BF7-6C42-9454-18ECC06F7081}" type="pres">
+      <dgm:prSet presAssocID="{2F20C1BD-F019-4386-AA92-F06E0D523DE3}" presName="sibTrans" presStyleCnt="0"/>
+      <dgm:spPr/>
+    </dgm:pt>
+    <dgm:pt modelId="{44B5F232-A37D-AB46-9FE1-CF7653F64BAD}" type="pres">
+      <dgm:prSet presAssocID="{C13682B9-2F2A-4EDF-A30E-68171A57F5D1}" presName="node" presStyleLbl="node1" presStyleIdx="3" presStyleCnt="7">
+        <dgm:presLayoutVars>
+          <dgm:bulletEnabled val="1"/>
+        </dgm:presLayoutVars>
+      </dgm:prSet>
+      <dgm:spPr/>
+      <dgm:t>
+        <a:bodyPr/>
+        <a:lstStyle/>
+        <a:p>
+          <a:endParaRPr lang="en-US"/>
+        </a:p>
+      </dgm:t>
+    </dgm:pt>
+    <dgm:pt modelId="{9D11E214-A882-C54B-9006-EECBD2B44E53}" type="pres">
+      <dgm:prSet presAssocID="{32A3FBCA-698D-450E-A955-B5A728A371DF}" presName="sibTrans" presStyleCnt="0"/>
+      <dgm:spPr/>
+    </dgm:pt>
+    <dgm:pt modelId="{F8859D70-B63B-7741-99D7-FBF3D46D0A60}" type="pres">
+      <dgm:prSet presAssocID="{569EE82E-36E1-4E29-B323-6347398A51AC}" presName="node" presStyleLbl="node1" presStyleIdx="4" presStyleCnt="7">
+        <dgm:presLayoutVars>
+          <dgm:bulletEnabled val="1"/>
+        </dgm:presLayoutVars>
+      </dgm:prSet>
+      <dgm:spPr/>
+      <dgm:t>
+        <a:bodyPr/>
+        <a:lstStyle/>
+        <a:p>
+          <a:endParaRPr lang="en-US"/>
+        </a:p>
+      </dgm:t>
+    </dgm:pt>
+    <dgm:pt modelId="{2F570A20-1A2C-1543-998F-EAFDE87041F2}" type="pres">
+      <dgm:prSet presAssocID="{A9472485-3294-4701-971C-6C87686B147C}" presName="sibTrans" presStyleCnt="0"/>
+      <dgm:spPr/>
+    </dgm:pt>
+    <dgm:pt modelId="{E45EEF7D-984A-5A4C-8A67-E6E221D60F6A}" type="pres">
+      <dgm:prSet presAssocID="{3715E953-FCE0-4329-BC28-D3D71758E3D5}" presName="node" presStyleLbl="node1" presStyleIdx="5" presStyleCnt="7">
+        <dgm:presLayoutVars>
+          <dgm:bulletEnabled val="1"/>
+        </dgm:presLayoutVars>
+      </dgm:prSet>
+      <dgm:spPr/>
+      <dgm:t>
+        <a:bodyPr/>
+        <a:lstStyle/>
+        <a:p>
+          <a:endParaRPr lang="en-US"/>
+        </a:p>
+      </dgm:t>
+    </dgm:pt>
+    <dgm:pt modelId="{05C56698-ADB7-8A4D-8AE0-826F78C91E4B}" type="pres">
+      <dgm:prSet presAssocID="{63A8EBCA-B773-431A-9354-E0B06422B720}" presName="sibTrans" presStyleCnt="0"/>
+      <dgm:spPr/>
+    </dgm:pt>
+    <dgm:pt modelId="{6F0D856E-A244-6E48-AA62-0C202B16BFC6}" type="pres">
+      <dgm:prSet presAssocID="{5876D2CB-144D-4727-9922-03183E9848F6}" presName="node" presStyleLbl="node1" presStyleIdx="6" presStyleCnt="7">
+        <dgm:presLayoutVars>
+          <dgm:bulletEnabled val="1"/>
+        </dgm:presLayoutVars>
+      </dgm:prSet>
+      <dgm:spPr/>
+      <dgm:t>
+        <a:bodyPr/>
+        <a:lstStyle/>
+        <a:p>
+          <a:endParaRPr lang="en-US"/>
+        </a:p>
+      </dgm:t>
+    </dgm:pt>
+  </dgm:ptLst>
+  <dgm:cxnLst>
+    <dgm:cxn modelId="{9022A334-830D-48EF-B5F1-918C3C631ED8}" srcId="{A8431A0A-D781-40EF-9042-1CA0C1FB7613}" destId="{C6EDB550-F3DE-4C30-8F54-48C0B7B847A5}" srcOrd="2" destOrd="0" parTransId="{7EEE981A-12DE-4686-A417-5FE9AEB173F2}" sibTransId="{2F20C1BD-F019-4386-AA92-F06E0D523DE3}"/>
+    <dgm:cxn modelId="{EBC9761D-E591-4573-A499-F1893C4CFE46}" srcId="{A8431A0A-D781-40EF-9042-1CA0C1FB7613}" destId="{B719DCDC-EF0D-416D-834D-94063D194B09}" srcOrd="0" destOrd="0" parTransId="{2401A77F-6E11-4317-A68E-EA4E947F8FD0}" sibTransId="{CA275562-25D9-4D1C-89B0-3D72E408F54E}"/>
+    <dgm:cxn modelId="{B78B1A97-6301-1346-B616-3341B7C24CD4}" type="presOf" srcId="{B719DCDC-EF0D-416D-834D-94063D194B09}" destId="{4CC2B298-5C6B-504A-8BB6-412DA02DAE58}" srcOrd="0" destOrd="0" presId="urn:microsoft.com/office/officeart/2005/8/layout/default"/>
+    <dgm:cxn modelId="{8E1A193C-F158-A746-8997-87CA4E38B973}" type="presOf" srcId="{C13682B9-2F2A-4EDF-A30E-68171A57F5D1}" destId="{44B5F232-A37D-AB46-9FE1-CF7653F64BAD}" srcOrd="0" destOrd="0" presId="urn:microsoft.com/office/officeart/2005/8/layout/default"/>
+    <dgm:cxn modelId="{AA55C026-3143-4B7D-85AB-9A16D75C5D14}" srcId="{A8431A0A-D781-40EF-9042-1CA0C1FB7613}" destId="{C13682B9-2F2A-4EDF-A30E-68171A57F5D1}" srcOrd="3" destOrd="0" parTransId="{336C07AA-A8D3-4654-A5BD-E74810D20513}" sibTransId="{32A3FBCA-698D-450E-A955-B5A728A371DF}"/>
+    <dgm:cxn modelId="{DB3D0C7C-B51C-2049-8FA9-550D13E9C344}" type="presOf" srcId="{5876D2CB-144D-4727-9922-03183E9848F6}" destId="{6F0D856E-A244-6E48-AA62-0C202B16BFC6}" srcOrd="0" destOrd="0" presId="urn:microsoft.com/office/officeart/2005/8/layout/default"/>
+    <dgm:cxn modelId="{F74B01BA-53C3-46D7-BA0C-B56A151ADC4E}" srcId="{A8431A0A-D781-40EF-9042-1CA0C1FB7613}" destId="{5876D2CB-144D-4727-9922-03183E9848F6}" srcOrd="6" destOrd="0" parTransId="{16A9E162-E33B-4C02-B031-1860A18AC4A8}" sibTransId="{6EEDAA81-42BD-44A4-B113-14095A9B8164}"/>
+    <dgm:cxn modelId="{6228F059-4018-8349-AD36-9917BF441A3F}" type="presOf" srcId="{A8431A0A-D781-40EF-9042-1CA0C1FB7613}" destId="{E67CAFDE-0FB9-1340-9337-32538318CDDE}" srcOrd="0" destOrd="0" presId="urn:microsoft.com/office/officeart/2005/8/layout/default"/>
+    <dgm:cxn modelId="{1A9F92BB-5DC1-4D90-AB93-54083F501121}" srcId="{A8431A0A-D781-40EF-9042-1CA0C1FB7613}" destId="{569EE82E-36E1-4E29-B323-6347398A51AC}" srcOrd="4" destOrd="0" parTransId="{E2FAF72E-4655-47CE-98E9-E2ACCFF1AAAE}" sibTransId="{A9472485-3294-4701-971C-6C87686B147C}"/>
+    <dgm:cxn modelId="{2FC24A1D-0A91-6E44-8121-8A99D6D45CBB}" type="presOf" srcId="{3715E953-FCE0-4329-BC28-D3D71758E3D5}" destId="{E45EEF7D-984A-5A4C-8A67-E6E221D60F6A}" srcOrd="0" destOrd="0" presId="urn:microsoft.com/office/officeart/2005/8/layout/default"/>
+    <dgm:cxn modelId="{637C7551-E5A4-9149-9DB6-B5FAC47067C8}" type="presOf" srcId="{569EE82E-36E1-4E29-B323-6347398A51AC}" destId="{F8859D70-B63B-7741-99D7-FBF3D46D0A60}" srcOrd="0" destOrd="0" presId="urn:microsoft.com/office/officeart/2005/8/layout/default"/>
+    <dgm:cxn modelId="{5AE8C680-3238-46E5-8754-13DF98F41D8C}" srcId="{A8431A0A-D781-40EF-9042-1CA0C1FB7613}" destId="{3715E953-FCE0-4329-BC28-D3D71758E3D5}" srcOrd="5" destOrd="0" parTransId="{805FF429-41EC-43C8-A36A-B951FA21F8DD}" sibTransId="{63A8EBCA-B773-431A-9354-E0B06422B720}"/>
+    <dgm:cxn modelId="{E8B9F785-9CEE-5A45-99ED-C8E4DA97954A}" type="presOf" srcId="{C6EDB550-F3DE-4C30-8F54-48C0B7B847A5}" destId="{2CABB215-B663-1440-8A7E-6D3E41374E92}" srcOrd="0" destOrd="0" presId="urn:microsoft.com/office/officeart/2005/8/layout/default"/>
+    <dgm:cxn modelId="{CFC8C8AA-182A-2C47-904C-15E7C5EA838E}" type="presOf" srcId="{9051EEDD-CCED-45C4-A760-228F8177E864}" destId="{E2C6DD04-5289-8E42-ABBF-653E610F9C80}" srcOrd="0" destOrd="0" presId="urn:microsoft.com/office/officeart/2005/8/layout/default"/>
+    <dgm:cxn modelId="{FDEB162B-AA0C-47C9-8520-E2A69402B1CD}" srcId="{A8431A0A-D781-40EF-9042-1CA0C1FB7613}" destId="{9051EEDD-CCED-45C4-A760-228F8177E864}" srcOrd="1" destOrd="0" parTransId="{B9821595-6583-40A3-B6E1-0CA2F6CAE83F}" sibTransId="{D11F9EB4-80F6-4F2B-868D-CF57B1AF784A}"/>
+    <dgm:cxn modelId="{061D4358-BCDB-A14F-9E9B-E4FFA1B30F38}" type="presParOf" srcId="{E67CAFDE-0FB9-1340-9337-32538318CDDE}" destId="{4CC2B298-5C6B-504A-8BB6-412DA02DAE58}" srcOrd="0" destOrd="0" presId="urn:microsoft.com/office/officeart/2005/8/layout/default"/>
+    <dgm:cxn modelId="{EE9BBEE3-A8A6-524C-9B75-FD8C864B44D9}" type="presParOf" srcId="{E67CAFDE-0FB9-1340-9337-32538318CDDE}" destId="{49CD7F32-D7DE-E14E-819B-B3F0966BB99E}" srcOrd="1" destOrd="0" presId="urn:microsoft.com/office/officeart/2005/8/layout/default"/>
+    <dgm:cxn modelId="{4CB4BADB-E385-7646-990C-E9D92FA79923}" type="presParOf" srcId="{E67CAFDE-0FB9-1340-9337-32538318CDDE}" destId="{E2C6DD04-5289-8E42-ABBF-653E610F9C80}" srcOrd="2" destOrd="0" presId="urn:microsoft.com/office/officeart/2005/8/layout/default"/>
+    <dgm:cxn modelId="{A9C1BC91-744A-A749-9775-9E697600DAFE}" type="presParOf" srcId="{E67CAFDE-0FB9-1340-9337-32538318CDDE}" destId="{B8B1544C-ED0D-8E4B-AB5F-ED8C94299BF4}" srcOrd="3" destOrd="0" presId="urn:microsoft.com/office/officeart/2005/8/layout/default"/>
+    <dgm:cxn modelId="{B20550A8-BCCD-0045-B14F-DD73320F3E07}" type="presParOf" srcId="{E67CAFDE-0FB9-1340-9337-32538318CDDE}" destId="{2CABB215-B663-1440-8A7E-6D3E41374E92}" srcOrd="4" destOrd="0" presId="urn:microsoft.com/office/officeart/2005/8/layout/default"/>
+    <dgm:cxn modelId="{104704EC-A930-7D40-8679-CC06249F6D24}" type="presParOf" srcId="{E67CAFDE-0FB9-1340-9337-32538318CDDE}" destId="{5172EF1D-9BF7-6C42-9454-18ECC06F7081}" srcOrd="5" destOrd="0" presId="urn:microsoft.com/office/officeart/2005/8/layout/default"/>
+    <dgm:cxn modelId="{FF47B1EF-F051-A143-BF78-E251B64EC99F}" type="presParOf" srcId="{E67CAFDE-0FB9-1340-9337-32538318CDDE}" destId="{44B5F232-A37D-AB46-9FE1-CF7653F64BAD}" srcOrd="6" destOrd="0" presId="urn:microsoft.com/office/officeart/2005/8/layout/default"/>
+    <dgm:cxn modelId="{A32F7F6B-E2D8-1B4A-A2EC-E369FC782EAB}" type="presParOf" srcId="{E67CAFDE-0FB9-1340-9337-32538318CDDE}" destId="{9D11E214-A882-C54B-9006-EECBD2B44E53}" srcOrd="7" destOrd="0" presId="urn:microsoft.com/office/officeart/2005/8/layout/default"/>
+    <dgm:cxn modelId="{6F6AE46E-7155-F043-B65F-C0710EBC9A6A}" type="presParOf" srcId="{E67CAFDE-0FB9-1340-9337-32538318CDDE}" destId="{F8859D70-B63B-7741-99D7-FBF3D46D0A60}" srcOrd="8" destOrd="0" presId="urn:microsoft.com/office/officeart/2005/8/layout/default"/>
+    <dgm:cxn modelId="{F47BC9F0-25A0-E541-9DD5-DB8ECC39DAB8}" type="presParOf" srcId="{E67CAFDE-0FB9-1340-9337-32538318CDDE}" destId="{2F570A20-1A2C-1543-998F-EAFDE87041F2}" srcOrd="9" destOrd="0" presId="urn:microsoft.com/office/officeart/2005/8/layout/default"/>
+    <dgm:cxn modelId="{5B3C7974-AE15-0646-BF7E-A2C0FE320326}" type="presParOf" srcId="{E67CAFDE-0FB9-1340-9337-32538318CDDE}" destId="{E45EEF7D-984A-5A4C-8A67-E6E221D60F6A}" srcOrd="10" destOrd="0" presId="urn:microsoft.com/office/officeart/2005/8/layout/default"/>
+    <dgm:cxn modelId="{5E642A1D-FF4A-BC44-8D36-F54C835563C1}" type="presParOf" srcId="{E67CAFDE-0FB9-1340-9337-32538318CDDE}" destId="{05C56698-ADB7-8A4D-8AE0-826F78C91E4B}" srcOrd="11" destOrd="0" presId="urn:microsoft.com/office/officeart/2005/8/layout/default"/>
+    <dgm:cxn modelId="{7D844E11-7EAA-DE48-A0A7-6BBA34693AD5}" type="presParOf" srcId="{E67CAFDE-0FB9-1340-9337-32538318CDDE}" destId="{6F0D856E-A244-6E48-AA62-0C202B16BFC6}" srcOrd="12" destOrd="0" presId="urn:microsoft.com/office/officeart/2005/8/layout/default"/>
+  </dgm:cxnLst>
+  <dgm:bg/>
+  <dgm:whole/>
+  <dgm:extLst>
+    <a:ext uri="http://schemas.microsoft.com/office/drawing/2008/diagram">
+      <dsp:dataModelExt xmlns:dsp="http://schemas.microsoft.com/office/drawing/2008/diagram" relId="rId6" minVer="http://schemas.openxmlformats.org/drawingml/2006/diagram"/>
+    </a:ext>
+  </dgm:extLst>
+</dgm:dataModel>
+</file>
+
+<file path=ppt/diagrams/data4.xml><?xml version="1.0" encoding="utf-8"?>
+<dgm:dataModel xmlns:dgm="http://schemas.openxmlformats.org/drawingml/2006/diagram" xmlns:a="http://schemas.openxmlformats.org/drawingml/2006/main">
+  <dgm:ptLst>
     <dgm:pt modelId="{1F7EC733-AE4D-4EF5-9F6A-53F20BE566BA}" type="doc">
       <dgm:prSet loTypeId="urn:microsoft.com/office/officeart/2016/7/layout/BasicLinearProcessNumbered" loCatId="process" qsTypeId="urn:microsoft.com/office/officeart/2005/8/quickstyle/simple1" qsCatId="simple" csTypeId="urn:microsoft.com/office/officeart/2005/8/colors/ColorSchemeForSuggestions" csCatId="other" phldr="1"/>
       <dgm:spPr/>
@@ -2866,9 +4100,22 @@
         <a:lstStyle/>
         <a:p>
           <a:r>
-            <a:rPr lang="en-US"/>
-            <a:t>Assemble a dataset of fake and real news</a:t>
+            <a:rPr lang="en-US" dirty="0"/>
+            <a:t>Assemble a dataset of fake and real </a:t>
           </a:r>
+          <a:r>
+            <a:rPr lang="en-US" dirty="0" smtClean="0"/>
+            <a:t>news from </a:t>
+          </a:r>
+          <a:r>
+            <a:rPr lang="en-US" dirty="0" err="1" smtClean="0"/>
+            <a:t>Kaggle</a:t>
+          </a:r>
+          <a:r>
+            <a:rPr lang="en-US" dirty="0" smtClean="0"/>
+            <a:t> and other outside sources</a:t>
+          </a:r>
+          <a:endParaRPr lang="en-US" dirty="0"/>
         </a:p>
       </dgm:t>
     </dgm:pt>
@@ -2905,9 +4152,10 @@
         <a:lstStyle/>
         <a:p>
           <a:r>
-            <a:rPr lang="en-US"/>
-            <a:t>Acquire the real news side of the dataset</a:t>
+            <a:rPr lang="en-US" dirty="0" smtClean="0"/>
+            <a:t>Select the training data and testing data</a:t>
           </a:r>
+          <a:endParaRPr lang="en-US" dirty="0"/>
         </a:p>
       </dgm:t>
     </dgm:pt>
@@ -2944,12 +4192,8 @@
         <a:lstStyle/>
         <a:p>
           <a:r>
-            <a:rPr lang="en-US" dirty="0"/>
-            <a:t>Select </a:t>
-          </a:r>
-          <a:r>
-            <a:rPr lang="en-US" dirty="0" smtClean="0"/>
-            <a:t>training and testing data</a:t>
+            <a:rPr lang="en-US" b="0" i="0" dirty="0" smtClean="0"/>
+            <a:t>Extract features: text transformation using count vectorization or Term Frequency–Inverse Document Frequency (TF-IDF) &amp; choose type of text to use (headline vs. full text)</a:t>
           </a:r>
           <a:endParaRPr lang="en-US" dirty="0"/>
         </a:p>
@@ -3281,23 +4525,23 @@
     </dgm:pt>
   </dgm:ptLst>
   <dgm:cxnLst>
-    <dgm:cxn modelId="{5025780E-2642-C340-A51C-900F915C9499}" type="presOf" srcId="{121666ED-0082-44F5-BEE1-796A1E1AAB12}" destId="{CEFEAA57-A896-2A44-90E2-42EF6049D9B5}" srcOrd="1" destOrd="0" presId="urn:microsoft.com/office/officeart/2016/7/layout/BasicLinearProcessNumbered"/>
-    <dgm:cxn modelId="{D2F0F269-6652-6147-9EA6-C70CCC437790}" type="presOf" srcId="{1F7EC733-AE4D-4EF5-9F6A-53F20BE566BA}" destId="{F5350D32-DF6D-964B-9F60-FB56571AEA8E}" srcOrd="0" destOrd="0" presId="urn:microsoft.com/office/officeart/2016/7/layout/BasicLinearProcessNumbered"/>
     <dgm:cxn modelId="{5A9575E7-D895-2743-A0DB-F549C6A518EE}" type="presOf" srcId="{E996127E-C305-4EF7-983F-3D1EC8036923}" destId="{D69878EC-907D-6141-967A-A57F477D01A5}" srcOrd="1" destOrd="0" presId="urn:microsoft.com/office/officeart/2016/7/layout/BasicLinearProcessNumbered"/>
-    <dgm:cxn modelId="{EC02CA57-4F3C-F041-9A2C-2EBFBE32F2F0}" type="presOf" srcId="{E996127E-C305-4EF7-983F-3D1EC8036923}" destId="{119D19D2-4B8E-B647-B678-C726F9D85817}" srcOrd="0" destOrd="0" presId="urn:microsoft.com/office/officeart/2016/7/layout/BasicLinearProcessNumbered"/>
     <dgm:cxn modelId="{EFD8D108-C47F-4F9F-8B63-5900BF481137}" srcId="{1F7EC733-AE4D-4EF5-9F6A-53F20BE566BA}" destId="{E07ECF74-288D-4C68-90D5-A45A3EAF6B97}" srcOrd="2" destOrd="0" parTransId="{AF059D70-EFB7-4348-88DA-7607F8A0F61B}" sibTransId="{E1F17C55-013D-4D43-8F38-4EAF1889E79C}"/>
     <dgm:cxn modelId="{0F9AAC1F-A43C-4627-9F3D-CDB0FE5D9974}" srcId="{1F7EC733-AE4D-4EF5-9F6A-53F20BE566BA}" destId="{121666ED-0082-44F5-BEE1-796A1E1AAB12}" srcOrd="3" destOrd="0" parTransId="{945BECC4-EDB6-4574-8EE2-6530AC3B281A}" sibTransId="{4C704DF8-19D7-4798-8491-267EDD5E2033}"/>
     <dgm:cxn modelId="{23B926BC-5CE0-834F-AE12-82D3160221CA}" type="presOf" srcId="{E07ECF74-288D-4C68-90D5-A45A3EAF6B97}" destId="{7A60323F-8950-8343-9D1E-B4E9D24BCE80}" srcOrd="1" destOrd="0" presId="urn:microsoft.com/office/officeart/2016/7/layout/BasicLinearProcessNumbered"/>
+    <dgm:cxn modelId="{5025780E-2642-C340-A51C-900F915C9499}" type="presOf" srcId="{121666ED-0082-44F5-BEE1-796A1E1AAB12}" destId="{CEFEAA57-A896-2A44-90E2-42EF6049D9B5}" srcOrd="1" destOrd="0" presId="urn:microsoft.com/office/officeart/2016/7/layout/BasicLinearProcessNumbered"/>
+    <dgm:cxn modelId="{73647524-BA70-496E-8399-2D04D130A4C9}" srcId="{1F7EC733-AE4D-4EF5-9F6A-53F20BE566BA}" destId="{C185DA77-B3EB-45F9-B225-8A042B2706C9}" srcOrd="1" destOrd="0" parTransId="{6BC9599B-9790-4B42-BEE3-7B6EE275A8F1}" sibTransId="{F098CD28-8C3F-499C-86D8-3887DDE8FB19}"/>
+    <dgm:cxn modelId="{8BD46B6B-DE08-D34B-B4DB-933DBC95BFBF}" type="presOf" srcId="{E1F17C55-013D-4D43-8F38-4EAF1889E79C}" destId="{68FE672F-B0DA-0C4A-B35A-270EE11A374E}" srcOrd="0" destOrd="0" presId="urn:microsoft.com/office/officeart/2016/7/layout/BasicLinearProcessNumbered"/>
+    <dgm:cxn modelId="{D2F0F269-6652-6147-9EA6-C70CCC437790}" type="presOf" srcId="{1F7EC733-AE4D-4EF5-9F6A-53F20BE566BA}" destId="{F5350D32-DF6D-964B-9F60-FB56571AEA8E}" srcOrd="0" destOrd="0" presId="urn:microsoft.com/office/officeart/2016/7/layout/BasicLinearProcessNumbered"/>
+    <dgm:cxn modelId="{54909D2C-545C-42DE-935E-3A728CD164D6}" srcId="{1F7EC733-AE4D-4EF5-9F6A-53F20BE566BA}" destId="{E996127E-C305-4EF7-983F-3D1EC8036923}" srcOrd="0" destOrd="0" parTransId="{74CE458C-CF24-4540-8126-0BA3A2340B55}" sibTransId="{48B0CC8E-9AAB-4725-A9A5-044AAACF8AE2}"/>
+    <dgm:cxn modelId="{5A381FEC-DD06-A949-B2F2-07B57D2C200C}" type="presOf" srcId="{121666ED-0082-44F5-BEE1-796A1E1AAB12}" destId="{AA01C7F7-3829-AA40-A95B-7E59D7A10E20}" srcOrd="0" destOrd="0" presId="urn:microsoft.com/office/officeart/2016/7/layout/BasicLinearProcessNumbered"/>
     <dgm:cxn modelId="{ACA1B178-D7D5-DC42-AB0D-7E2C829B6E1F}" type="presOf" srcId="{C185DA77-B3EB-45F9-B225-8A042B2706C9}" destId="{68FF0E9C-DE4E-2B4F-BE13-B66179AA3630}" srcOrd="1" destOrd="0" presId="urn:microsoft.com/office/officeart/2016/7/layout/BasicLinearProcessNumbered"/>
     <dgm:cxn modelId="{2401A829-AB32-9D4B-BD77-5399461A54FB}" type="presOf" srcId="{F098CD28-8C3F-499C-86D8-3887DDE8FB19}" destId="{16B34A22-7DE6-CC47-8621-EA3DE5E54F49}" srcOrd="0" destOrd="0" presId="urn:microsoft.com/office/officeart/2016/7/layout/BasicLinearProcessNumbered"/>
+    <dgm:cxn modelId="{17001A5D-77AF-AD42-9EED-AD62F377762B}" type="presOf" srcId="{E07ECF74-288D-4C68-90D5-A45A3EAF6B97}" destId="{AE7C66E9-0C82-7D4D-9143-CB08663385BB}" srcOrd="0" destOrd="0" presId="urn:microsoft.com/office/officeart/2016/7/layout/BasicLinearProcessNumbered"/>
     <dgm:cxn modelId="{BD457452-CF4D-1D42-A786-C02E45D58856}" type="presOf" srcId="{4C704DF8-19D7-4798-8491-267EDD5E2033}" destId="{B3BCD094-74AA-764F-9D13-E094E3624918}" srcOrd="0" destOrd="0" presId="urn:microsoft.com/office/officeart/2016/7/layout/BasicLinearProcessNumbered"/>
+    <dgm:cxn modelId="{026B2782-8087-4A42-A397-02262D916A22}" type="presOf" srcId="{48B0CC8E-9AAB-4725-A9A5-044AAACF8AE2}" destId="{A07755E3-B84E-CD4F-9F0F-BE237DD7EBD5}" srcOrd="0" destOrd="0" presId="urn:microsoft.com/office/officeart/2016/7/layout/BasicLinearProcessNumbered"/>
     <dgm:cxn modelId="{12426EDE-1CF1-414D-A24C-93103009ACF3}" type="presOf" srcId="{C185DA77-B3EB-45F9-B225-8A042B2706C9}" destId="{E2FC89C1-6DF5-5649-AC73-B28498444F9E}" srcOrd="0" destOrd="0" presId="urn:microsoft.com/office/officeart/2016/7/layout/BasicLinearProcessNumbered"/>
-    <dgm:cxn modelId="{5A381FEC-DD06-A949-B2F2-07B57D2C200C}" type="presOf" srcId="{121666ED-0082-44F5-BEE1-796A1E1AAB12}" destId="{AA01C7F7-3829-AA40-A95B-7E59D7A10E20}" srcOrd="0" destOrd="0" presId="urn:microsoft.com/office/officeart/2016/7/layout/BasicLinearProcessNumbered"/>
-    <dgm:cxn modelId="{73647524-BA70-496E-8399-2D04D130A4C9}" srcId="{1F7EC733-AE4D-4EF5-9F6A-53F20BE566BA}" destId="{C185DA77-B3EB-45F9-B225-8A042B2706C9}" srcOrd="1" destOrd="0" parTransId="{6BC9599B-9790-4B42-BEE3-7B6EE275A8F1}" sibTransId="{F098CD28-8C3F-499C-86D8-3887DDE8FB19}"/>
-    <dgm:cxn modelId="{54909D2C-545C-42DE-935E-3A728CD164D6}" srcId="{1F7EC733-AE4D-4EF5-9F6A-53F20BE566BA}" destId="{E996127E-C305-4EF7-983F-3D1EC8036923}" srcOrd="0" destOrd="0" parTransId="{74CE458C-CF24-4540-8126-0BA3A2340B55}" sibTransId="{48B0CC8E-9AAB-4725-A9A5-044AAACF8AE2}"/>
-    <dgm:cxn modelId="{026B2782-8087-4A42-A397-02262D916A22}" type="presOf" srcId="{48B0CC8E-9AAB-4725-A9A5-044AAACF8AE2}" destId="{A07755E3-B84E-CD4F-9F0F-BE237DD7EBD5}" srcOrd="0" destOrd="0" presId="urn:microsoft.com/office/officeart/2016/7/layout/BasicLinearProcessNumbered"/>
-    <dgm:cxn modelId="{8BD46B6B-DE08-D34B-B4DB-933DBC95BFBF}" type="presOf" srcId="{E1F17C55-013D-4D43-8F38-4EAF1889E79C}" destId="{68FE672F-B0DA-0C4A-B35A-270EE11A374E}" srcOrd="0" destOrd="0" presId="urn:microsoft.com/office/officeart/2016/7/layout/BasicLinearProcessNumbered"/>
-    <dgm:cxn modelId="{17001A5D-77AF-AD42-9EED-AD62F377762B}" type="presOf" srcId="{E07ECF74-288D-4C68-90D5-A45A3EAF6B97}" destId="{AE7C66E9-0C82-7D4D-9143-CB08663385BB}" srcOrd="0" destOrd="0" presId="urn:microsoft.com/office/officeart/2016/7/layout/BasicLinearProcessNumbered"/>
+    <dgm:cxn modelId="{EC02CA57-4F3C-F041-9A2C-2EBFBE32F2F0}" type="presOf" srcId="{E996127E-C305-4EF7-983F-3D1EC8036923}" destId="{119D19D2-4B8E-B647-B678-C726F9D85817}" srcOrd="0" destOrd="0" presId="urn:microsoft.com/office/officeart/2016/7/layout/BasicLinearProcessNumbered"/>
     <dgm:cxn modelId="{B0C56AD6-1A2B-BB45-B1D4-6BE371986A72}" type="presParOf" srcId="{F5350D32-DF6D-964B-9F60-FB56571AEA8E}" destId="{3278AB0F-509D-B348-8473-C0543DD61AEF}" srcOrd="0" destOrd="0" presId="urn:microsoft.com/office/officeart/2016/7/layout/BasicLinearProcessNumbered"/>
     <dgm:cxn modelId="{48482AE6-3E81-7941-A52B-775FC7FD0152}" type="presParOf" srcId="{3278AB0F-509D-B348-8473-C0543DD61AEF}" destId="{119D19D2-4B8E-B647-B678-C726F9D85817}" srcOrd="0" destOrd="0" presId="urn:microsoft.com/office/officeart/2016/7/layout/BasicLinearProcessNumbered"/>
     <dgm:cxn modelId="{23ADCA8B-4A6A-CB4F-A0B8-CF3B268337C2}" type="presParOf" srcId="{3278AB0F-509D-B348-8473-C0543DD61AEF}" destId="{A07755E3-B84E-CD4F-9F0F-BE237DD7EBD5}" srcOrd="1" destOrd="0" presId="urn:microsoft.com/office/officeart/2016/7/layout/BasicLinearProcessNumbered"/>
@@ -3939,6 +5183,550 @@
       <dsp:cNvGrpSpPr/>
     </dsp:nvGrpSpPr>
     <dsp:grpSpPr/>
+    <dsp:sp modelId="{4CC2B298-5C6B-504A-8BB6-412DA02DAE58}">
+      <dsp:nvSpPr>
+        <dsp:cNvPr id="0" name=""/>
+        <dsp:cNvSpPr/>
+      </dsp:nvSpPr>
+      <dsp:spPr>
+        <a:xfrm>
+          <a:off x="3193" y="162839"/>
+          <a:ext cx="2533509" cy="1520105"/>
+        </a:xfrm>
+        <a:prstGeom prst="rect">
+          <a:avLst/>
+        </a:prstGeom>
+        <a:solidFill>
+          <a:schemeClr val="accent2">
+            <a:hueOff val="0"/>
+            <a:satOff val="0"/>
+            <a:lumOff val="0"/>
+            <a:alphaOff val="0"/>
+          </a:schemeClr>
+        </a:solidFill>
+        <a:ln w="25400" cap="flat" cmpd="sng" algn="ctr">
+          <a:solidFill>
+            <a:schemeClr val="lt1">
+              <a:hueOff val="0"/>
+              <a:satOff val="0"/>
+              <a:lumOff val="0"/>
+              <a:alphaOff val="0"/>
+            </a:schemeClr>
+          </a:solidFill>
+          <a:prstDash val="solid"/>
+        </a:ln>
+        <a:effectLst/>
+      </dsp:spPr>
+      <dsp:style>
+        <a:lnRef idx="3">
+          <a:scrgbClr r="0" g="0" b="0"/>
+        </a:lnRef>
+        <a:fillRef idx="1">
+          <a:scrgbClr r="0" g="0" b="0"/>
+        </a:fillRef>
+        <a:effectRef idx="1">
+          <a:scrgbClr r="0" g="0" b="0"/>
+        </a:effectRef>
+        <a:fontRef idx="minor">
+          <a:schemeClr val="lt1"/>
+        </a:fontRef>
+      </dsp:style>
+      <dsp:txBody>
+        <a:bodyPr spcFirstLastPara="0" vert="horz" wrap="square" lIns="76200" tIns="76200" rIns="76200" bIns="76200" numCol="1" spcCol="1270" anchor="ctr" anchorCtr="0">
+          <a:noAutofit/>
+        </a:bodyPr>
+        <a:lstStyle/>
+        <a:p>
+          <a:pPr lvl="0" algn="ctr" defTabSz="889000">
+            <a:lnSpc>
+              <a:spcPct val="90000"/>
+            </a:lnSpc>
+            <a:spcBef>
+              <a:spcPct val="0"/>
+            </a:spcBef>
+            <a:spcAft>
+              <a:spcPct val="35000"/>
+            </a:spcAft>
+          </a:pPr>
+          <a:r>
+            <a:rPr lang="en-US" sz="2000" kern="1200"/>
+            <a:t>False Connection: Headlines, visuals or captions don’t support the content</a:t>
+          </a:r>
+        </a:p>
+      </dsp:txBody>
+      <dsp:txXfrm>
+        <a:off x="3193" y="162839"/>
+        <a:ext cx="2533509" cy="1520105"/>
+      </dsp:txXfrm>
+    </dsp:sp>
+    <dsp:sp modelId="{E2C6DD04-5289-8E42-ABBF-653E610F9C80}">
+      <dsp:nvSpPr>
+        <dsp:cNvPr id="0" name=""/>
+        <dsp:cNvSpPr/>
+      </dsp:nvSpPr>
+      <dsp:spPr>
+        <a:xfrm>
+          <a:off x="2790053" y="162839"/>
+          <a:ext cx="2533509" cy="1520105"/>
+        </a:xfrm>
+        <a:prstGeom prst="rect">
+          <a:avLst/>
+        </a:prstGeom>
+        <a:solidFill>
+          <a:schemeClr val="accent2">
+            <a:hueOff val="540015"/>
+            <a:satOff val="75"/>
+            <a:lumOff val="65"/>
+            <a:alphaOff val="0"/>
+          </a:schemeClr>
+        </a:solidFill>
+        <a:ln w="25400" cap="flat" cmpd="sng" algn="ctr">
+          <a:solidFill>
+            <a:schemeClr val="lt1">
+              <a:hueOff val="0"/>
+              <a:satOff val="0"/>
+              <a:lumOff val="0"/>
+              <a:alphaOff val="0"/>
+            </a:schemeClr>
+          </a:solidFill>
+          <a:prstDash val="solid"/>
+        </a:ln>
+        <a:effectLst/>
+      </dsp:spPr>
+      <dsp:style>
+        <a:lnRef idx="3">
+          <a:scrgbClr r="0" g="0" b="0"/>
+        </a:lnRef>
+        <a:fillRef idx="1">
+          <a:scrgbClr r="0" g="0" b="0"/>
+        </a:fillRef>
+        <a:effectRef idx="1">
+          <a:scrgbClr r="0" g="0" b="0"/>
+        </a:effectRef>
+        <a:fontRef idx="minor">
+          <a:schemeClr val="lt1"/>
+        </a:fontRef>
+      </dsp:style>
+      <dsp:txBody>
+        <a:bodyPr spcFirstLastPara="0" vert="horz" wrap="square" lIns="76200" tIns="76200" rIns="76200" bIns="76200" numCol="1" spcCol="1270" anchor="ctr" anchorCtr="0">
+          <a:noAutofit/>
+        </a:bodyPr>
+        <a:lstStyle/>
+        <a:p>
+          <a:pPr lvl="0" algn="ctr" defTabSz="889000">
+            <a:lnSpc>
+              <a:spcPct val="90000"/>
+            </a:lnSpc>
+            <a:spcBef>
+              <a:spcPct val="0"/>
+            </a:spcBef>
+            <a:spcAft>
+              <a:spcPct val="35000"/>
+            </a:spcAft>
+          </a:pPr>
+          <a:r>
+            <a:rPr lang="en-US" sz="2000" kern="1200"/>
+            <a:t>False Context: Genuine content is shared with false contextual information</a:t>
+          </a:r>
+        </a:p>
+      </dsp:txBody>
+      <dsp:txXfrm>
+        <a:off x="2790053" y="162839"/>
+        <a:ext cx="2533509" cy="1520105"/>
+      </dsp:txXfrm>
+    </dsp:sp>
+    <dsp:sp modelId="{2CABB215-B663-1440-8A7E-6D3E41374E92}">
+      <dsp:nvSpPr>
+        <dsp:cNvPr id="0" name=""/>
+        <dsp:cNvSpPr/>
+      </dsp:nvSpPr>
+      <dsp:spPr>
+        <a:xfrm>
+          <a:off x="5576913" y="162839"/>
+          <a:ext cx="2533509" cy="1520105"/>
+        </a:xfrm>
+        <a:prstGeom prst="rect">
+          <a:avLst/>
+        </a:prstGeom>
+        <a:solidFill>
+          <a:schemeClr val="accent2">
+            <a:hueOff val="1080030"/>
+            <a:satOff val="150"/>
+            <a:lumOff val="131"/>
+            <a:alphaOff val="0"/>
+          </a:schemeClr>
+        </a:solidFill>
+        <a:ln w="25400" cap="flat" cmpd="sng" algn="ctr">
+          <a:solidFill>
+            <a:schemeClr val="lt1">
+              <a:hueOff val="0"/>
+              <a:satOff val="0"/>
+              <a:lumOff val="0"/>
+              <a:alphaOff val="0"/>
+            </a:schemeClr>
+          </a:solidFill>
+          <a:prstDash val="solid"/>
+        </a:ln>
+        <a:effectLst/>
+      </dsp:spPr>
+      <dsp:style>
+        <a:lnRef idx="3">
+          <a:scrgbClr r="0" g="0" b="0"/>
+        </a:lnRef>
+        <a:fillRef idx="1">
+          <a:scrgbClr r="0" g="0" b="0"/>
+        </a:fillRef>
+        <a:effectRef idx="1">
+          <a:scrgbClr r="0" g="0" b="0"/>
+        </a:effectRef>
+        <a:fontRef idx="minor">
+          <a:schemeClr val="lt1"/>
+        </a:fontRef>
+      </dsp:style>
+      <dsp:txBody>
+        <a:bodyPr spcFirstLastPara="0" vert="horz" wrap="square" lIns="76200" tIns="76200" rIns="76200" bIns="76200" numCol="1" spcCol="1270" anchor="ctr" anchorCtr="0">
+          <a:noAutofit/>
+        </a:bodyPr>
+        <a:lstStyle/>
+        <a:p>
+          <a:pPr lvl="0" algn="ctr" defTabSz="889000">
+            <a:lnSpc>
+              <a:spcPct val="90000"/>
+            </a:lnSpc>
+            <a:spcBef>
+              <a:spcPct val="0"/>
+            </a:spcBef>
+            <a:spcAft>
+              <a:spcPct val="35000"/>
+            </a:spcAft>
+          </a:pPr>
+          <a:r>
+            <a:rPr lang="en-US" sz="2000" kern="1200"/>
+            <a:t>Manipulated content: Genuine information or  imagery is manipulated</a:t>
+          </a:r>
+        </a:p>
+      </dsp:txBody>
+      <dsp:txXfrm>
+        <a:off x="5576913" y="162839"/>
+        <a:ext cx="2533509" cy="1520105"/>
+      </dsp:txXfrm>
+    </dsp:sp>
+    <dsp:sp modelId="{44B5F232-A37D-AB46-9FE1-CF7653F64BAD}">
+      <dsp:nvSpPr>
+        <dsp:cNvPr id="0" name=""/>
+        <dsp:cNvSpPr/>
+      </dsp:nvSpPr>
+      <dsp:spPr>
+        <a:xfrm>
+          <a:off x="8363774" y="162839"/>
+          <a:ext cx="2533509" cy="1520105"/>
+        </a:xfrm>
+        <a:prstGeom prst="rect">
+          <a:avLst/>
+        </a:prstGeom>
+        <a:solidFill>
+          <a:schemeClr val="accent2">
+            <a:hueOff val="1620045"/>
+            <a:satOff val="225"/>
+            <a:lumOff val="196"/>
+            <a:alphaOff val="0"/>
+          </a:schemeClr>
+        </a:solidFill>
+        <a:ln w="25400" cap="flat" cmpd="sng" algn="ctr">
+          <a:solidFill>
+            <a:schemeClr val="lt1">
+              <a:hueOff val="0"/>
+              <a:satOff val="0"/>
+              <a:lumOff val="0"/>
+              <a:alphaOff val="0"/>
+            </a:schemeClr>
+          </a:solidFill>
+          <a:prstDash val="solid"/>
+        </a:ln>
+        <a:effectLst/>
+      </dsp:spPr>
+      <dsp:style>
+        <a:lnRef idx="3">
+          <a:scrgbClr r="0" g="0" b="0"/>
+        </a:lnRef>
+        <a:fillRef idx="1">
+          <a:scrgbClr r="0" g="0" b="0"/>
+        </a:fillRef>
+        <a:effectRef idx="1">
+          <a:scrgbClr r="0" g="0" b="0"/>
+        </a:effectRef>
+        <a:fontRef idx="minor">
+          <a:schemeClr val="lt1"/>
+        </a:fontRef>
+      </dsp:style>
+      <dsp:txBody>
+        <a:bodyPr spcFirstLastPara="0" vert="horz" wrap="square" lIns="76200" tIns="76200" rIns="76200" bIns="76200" numCol="1" spcCol="1270" anchor="ctr" anchorCtr="0">
+          <a:noAutofit/>
+        </a:bodyPr>
+        <a:lstStyle/>
+        <a:p>
+          <a:pPr lvl="0" algn="ctr" defTabSz="889000">
+            <a:lnSpc>
+              <a:spcPct val="90000"/>
+            </a:lnSpc>
+            <a:spcBef>
+              <a:spcPct val="0"/>
+            </a:spcBef>
+            <a:spcAft>
+              <a:spcPct val="35000"/>
+            </a:spcAft>
+          </a:pPr>
+          <a:r>
+            <a:rPr lang="en-US" sz="2000" kern="1200"/>
+            <a:t>Satire or Parody: No intention to cause harm but potential to fool</a:t>
+          </a:r>
+        </a:p>
+      </dsp:txBody>
+      <dsp:txXfrm>
+        <a:off x="8363774" y="162839"/>
+        <a:ext cx="2533509" cy="1520105"/>
+      </dsp:txXfrm>
+    </dsp:sp>
+    <dsp:sp modelId="{F8859D70-B63B-7741-99D7-FBF3D46D0A60}">
+      <dsp:nvSpPr>
+        <dsp:cNvPr id="0" name=""/>
+        <dsp:cNvSpPr/>
+      </dsp:nvSpPr>
+      <dsp:spPr>
+        <a:xfrm>
+          <a:off x="1396623" y="1936296"/>
+          <a:ext cx="2533509" cy="1520105"/>
+        </a:xfrm>
+        <a:prstGeom prst="rect">
+          <a:avLst/>
+        </a:prstGeom>
+        <a:solidFill>
+          <a:schemeClr val="accent2">
+            <a:hueOff val="2160060"/>
+            <a:satOff val="301"/>
+            <a:lumOff val="261"/>
+            <a:alphaOff val="0"/>
+          </a:schemeClr>
+        </a:solidFill>
+        <a:ln w="25400" cap="flat" cmpd="sng" algn="ctr">
+          <a:solidFill>
+            <a:schemeClr val="lt1">
+              <a:hueOff val="0"/>
+              <a:satOff val="0"/>
+              <a:lumOff val="0"/>
+              <a:alphaOff val="0"/>
+            </a:schemeClr>
+          </a:solidFill>
+          <a:prstDash val="solid"/>
+        </a:ln>
+        <a:effectLst/>
+      </dsp:spPr>
+      <dsp:style>
+        <a:lnRef idx="3">
+          <a:scrgbClr r="0" g="0" b="0"/>
+        </a:lnRef>
+        <a:fillRef idx="1">
+          <a:scrgbClr r="0" g="0" b="0"/>
+        </a:fillRef>
+        <a:effectRef idx="1">
+          <a:scrgbClr r="0" g="0" b="0"/>
+        </a:effectRef>
+        <a:fontRef idx="minor">
+          <a:schemeClr val="lt1"/>
+        </a:fontRef>
+      </dsp:style>
+      <dsp:txBody>
+        <a:bodyPr spcFirstLastPara="0" vert="horz" wrap="square" lIns="76200" tIns="76200" rIns="76200" bIns="76200" numCol="1" spcCol="1270" anchor="ctr" anchorCtr="0">
+          <a:noAutofit/>
+        </a:bodyPr>
+        <a:lstStyle/>
+        <a:p>
+          <a:pPr lvl="0" algn="ctr" defTabSz="889000">
+            <a:lnSpc>
+              <a:spcPct val="90000"/>
+            </a:lnSpc>
+            <a:spcBef>
+              <a:spcPct val="0"/>
+            </a:spcBef>
+            <a:spcAft>
+              <a:spcPct val="35000"/>
+            </a:spcAft>
+          </a:pPr>
+          <a:r>
+            <a:rPr lang="en-US" sz="2000" kern="1200"/>
+            <a:t>Misleading Content: Misleading use of information to frame an issue/individual</a:t>
+          </a:r>
+        </a:p>
+      </dsp:txBody>
+      <dsp:txXfrm>
+        <a:off x="1396623" y="1936296"/>
+        <a:ext cx="2533509" cy="1520105"/>
+      </dsp:txXfrm>
+    </dsp:sp>
+    <dsp:sp modelId="{E45EEF7D-984A-5A4C-8A67-E6E221D60F6A}">
+      <dsp:nvSpPr>
+        <dsp:cNvPr id="0" name=""/>
+        <dsp:cNvSpPr/>
+      </dsp:nvSpPr>
+      <dsp:spPr>
+        <a:xfrm>
+          <a:off x="4183483" y="1936296"/>
+          <a:ext cx="2533509" cy="1520105"/>
+        </a:xfrm>
+        <a:prstGeom prst="rect">
+          <a:avLst/>
+        </a:prstGeom>
+        <a:solidFill>
+          <a:schemeClr val="accent2">
+            <a:hueOff val="2700075"/>
+            <a:satOff val="376"/>
+            <a:lumOff val="327"/>
+            <a:alphaOff val="0"/>
+          </a:schemeClr>
+        </a:solidFill>
+        <a:ln w="25400" cap="flat" cmpd="sng" algn="ctr">
+          <a:solidFill>
+            <a:schemeClr val="lt1">
+              <a:hueOff val="0"/>
+              <a:satOff val="0"/>
+              <a:lumOff val="0"/>
+              <a:alphaOff val="0"/>
+            </a:schemeClr>
+          </a:solidFill>
+          <a:prstDash val="solid"/>
+        </a:ln>
+        <a:effectLst/>
+      </dsp:spPr>
+      <dsp:style>
+        <a:lnRef idx="3">
+          <a:scrgbClr r="0" g="0" b="0"/>
+        </a:lnRef>
+        <a:fillRef idx="1">
+          <a:scrgbClr r="0" g="0" b="0"/>
+        </a:fillRef>
+        <a:effectRef idx="1">
+          <a:scrgbClr r="0" g="0" b="0"/>
+        </a:effectRef>
+        <a:fontRef idx="minor">
+          <a:schemeClr val="lt1"/>
+        </a:fontRef>
+      </dsp:style>
+      <dsp:txBody>
+        <a:bodyPr spcFirstLastPara="0" vert="horz" wrap="square" lIns="76200" tIns="76200" rIns="76200" bIns="76200" numCol="1" spcCol="1270" anchor="ctr" anchorCtr="0">
+          <a:noAutofit/>
+        </a:bodyPr>
+        <a:lstStyle/>
+        <a:p>
+          <a:pPr lvl="0" algn="ctr" defTabSz="889000">
+            <a:lnSpc>
+              <a:spcPct val="90000"/>
+            </a:lnSpc>
+            <a:spcBef>
+              <a:spcPct val="0"/>
+            </a:spcBef>
+            <a:spcAft>
+              <a:spcPct val="35000"/>
+            </a:spcAft>
+          </a:pPr>
+          <a:r>
+            <a:rPr lang="en-US" sz="2000" kern="1200"/>
+            <a:t>Imposter Content: Impersonation of genuine sources</a:t>
+          </a:r>
+        </a:p>
+      </dsp:txBody>
+      <dsp:txXfrm>
+        <a:off x="4183483" y="1936296"/>
+        <a:ext cx="2533509" cy="1520105"/>
+      </dsp:txXfrm>
+    </dsp:sp>
+    <dsp:sp modelId="{6F0D856E-A244-6E48-AA62-0C202B16BFC6}">
+      <dsp:nvSpPr>
+        <dsp:cNvPr id="0" name=""/>
+        <dsp:cNvSpPr/>
+      </dsp:nvSpPr>
+      <dsp:spPr>
+        <a:xfrm>
+          <a:off x="6970344" y="1936296"/>
+          <a:ext cx="2533509" cy="1520105"/>
+        </a:xfrm>
+        <a:prstGeom prst="rect">
+          <a:avLst/>
+        </a:prstGeom>
+        <a:solidFill>
+          <a:schemeClr val="accent2">
+            <a:hueOff val="3240090"/>
+            <a:satOff val="451"/>
+            <a:lumOff val="392"/>
+            <a:alphaOff val="0"/>
+          </a:schemeClr>
+        </a:solidFill>
+        <a:ln w="25400" cap="flat" cmpd="sng" algn="ctr">
+          <a:solidFill>
+            <a:schemeClr val="lt1">
+              <a:hueOff val="0"/>
+              <a:satOff val="0"/>
+              <a:lumOff val="0"/>
+              <a:alphaOff val="0"/>
+            </a:schemeClr>
+          </a:solidFill>
+          <a:prstDash val="solid"/>
+        </a:ln>
+        <a:effectLst/>
+      </dsp:spPr>
+      <dsp:style>
+        <a:lnRef idx="3">
+          <a:scrgbClr r="0" g="0" b="0"/>
+        </a:lnRef>
+        <a:fillRef idx="1">
+          <a:scrgbClr r="0" g="0" b="0"/>
+        </a:fillRef>
+        <a:effectRef idx="1">
+          <a:scrgbClr r="0" g="0" b="0"/>
+        </a:effectRef>
+        <a:fontRef idx="minor">
+          <a:schemeClr val="lt1"/>
+        </a:fontRef>
+      </dsp:style>
+      <dsp:txBody>
+        <a:bodyPr spcFirstLastPara="0" vert="horz" wrap="square" lIns="76200" tIns="76200" rIns="76200" bIns="76200" numCol="1" spcCol="1270" anchor="ctr" anchorCtr="0">
+          <a:noAutofit/>
+        </a:bodyPr>
+        <a:lstStyle/>
+        <a:p>
+          <a:pPr lvl="0" algn="ctr" defTabSz="889000">
+            <a:lnSpc>
+              <a:spcPct val="90000"/>
+            </a:lnSpc>
+            <a:spcBef>
+              <a:spcPct val="0"/>
+            </a:spcBef>
+            <a:spcAft>
+              <a:spcPct val="35000"/>
+            </a:spcAft>
+          </a:pPr>
+          <a:r>
+            <a:rPr lang="en-US" sz="2000" kern="1200"/>
+            <a:t>Fabricated content: New content that is 100% false</a:t>
+          </a:r>
+        </a:p>
+      </dsp:txBody>
+      <dsp:txXfrm>
+        <a:off x="6970344" y="1936296"/>
+        <a:ext cx="2533509" cy="1520105"/>
+      </dsp:txXfrm>
+    </dsp:sp>
+  </dsp:spTree>
+</dsp:drawing>
+</file>
+
+<file path=ppt/diagrams/drawing4.xml><?xml version="1.0" encoding="utf-8"?>
+<dsp:drawing xmlns:dgm="http://schemas.openxmlformats.org/drawingml/2006/diagram" xmlns:dsp="http://schemas.microsoft.com/office/drawing/2008/diagram" xmlns:a="http://schemas.openxmlformats.org/drawingml/2006/main">
+  <dsp:spTree>
+    <dsp:nvGrpSpPr>
+      <dsp:cNvPr id="0" name=""/>
+      <dsp:cNvGrpSpPr/>
+    </dsp:nvGrpSpPr>
+    <dsp:grpSpPr/>
     <dsp:sp modelId="{119D19D2-4B8E-B647-B678-C726F9D85817}">
       <dsp:nvSpPr>
         <dsp:cNvPr id="0" name=""/>
@@ -3993,7 +5781,7 @@
         </a:bodyPr>
         <a:lstStyle/>
         <a:p>
-          <a:pPr lvl="0" algn="l" defTabSz="666750">
+          <a:pPr lvl="0" algn="l" defTabSz="577850">
             <a:lnSpc>
               <a:spcPct val="90000"/>
             </a:lnSpc>
@@ -4005,9 +5793,22 @@
             </a:spcAft>
           </a:pPr>
           <a:r>
-            <a:rPr lang="en-US" sz="1500" kern="1200"/>
-            <a:t>Assemble a dataset of fake and real news</a:t>
+            <a:rPr lang="en-US" sz="1300" kern="1200" dirty="0"/>
+            <a:t>Assemble a dataset of fake and real </a:t>
           </a:r>
+          <a:r>
+            <a:rPr lang="en-US" sz="1300" kern="1200" dirty="0" smtClean="0"/>
+            <a:t>news from </a:t>
+          </a:r>
+          <a:r>
+            <a:rPr lang="en-US" sz="1300" kern="1200" dirty="0" err="1" smtClean="0"/>
+            <a:t>Kaggle</a:t>
+          </a:r>
+          <a:r>
+            <a:rPr lang="en-US" sz="1300" kern="1200" dirty="0" smtClean="0"/>
+            <a:t> and other outside sources</a:t>
+          </a:r>
+          <a:endParaRPr lang="en-US" sz="1300" kern="1200" dirty="0"/>
         </a:p>
       </dsp:txBody>
       <dsp:txXfrm>
@@ -4194,7 +5995,7 @@
         </a:bodyPr>
         <a:lstStyle/>
         <a:p>
-          <a:pPr lvl="0" algn="l" defTabSz="666750">
+          <a:pPr lvl="0" algn="l" defTabSz="577850">
             <a:lnSpc>
               <a:spcPct val="90000"/>
             </a:lnSpc>
@@ -4206,9 +6007,10 @@
             </a:spcAft>
           </a:pPr>
           <a:r>
-            <a:rPr lang="en-US" sz="1500" kern="1200"/>
-            <a:t>Acquire the real news side of the dataset</a:t>
+            <a:rPr lang="en-US" sz="1300" kern="1200" dirty="0" smtClean="0"/>
+            <a:t>Select the training data and testing data</a:t>
           </a:r>
+          <a:endParaRPr lang="en-US" sz="1300" kern="1200" dirty="0"/>
         </a:p>
       </dsp:txBody>
       <dsp:txXfrm>
@@ -4395,7 +6197,7 @@
         </a:bodyPr>
         <a:lstStyle/>
         <a:p>
-          <a:pPr lvl="0" algn="l" defTabSz="666750">
+          <a:pPr lvl="0" algn="l" defTabSz="577850">
             <a:lnSpc>
               <a:spcPct val="90000"/>
             </a:lnSpc>
@@ -4407,14 +6209,10 @@
             </a:spcAft>
           </a:pPr>
           <a:r>
-            <a:rPr lang="en-US" sz="1500" kern="1200" dirty="0"/>
-            <a:t>Select </a:t>
+            <a:rPr lang="en-US" sz="1300" b="0" i="0" kern="1200" dirty="0" smtClean="0"/>
+            <a:t>Extract features: text transformation using count vectorization or Term Frequency–Inverse Document Frequency (TF-IDF) &amp; choose type of text to use (headline vs. full text)</a:t>
           </a:r>
-          <a:r>
-            <a:rPr lang="en-US" sz="1500" kern="1200" dirty="0" smtClean="0"/>
-            <a:t>training and testing data</a:t>
-          </a:r>
-          <a:endParaRPr lang="en-US" sz="1500" kern="1200" dirty="0"/>
+          <a:endParaRPr lang="en-US" sz="1300" kern="1200" dirty="0"/>
         </a:p>
       </dsp:txBody>
       <dsp:txXfrm>
@@ -4601,7 +6399,7 @@
         </a:bodyPr>
         <a:lstStyle/>
         <a:p>
-          <a:pPr lvl="0" algn="l" defTabSz="666750">
+          <a:pPr lvl="0" algn="l" defTabSz="577850">
             <a:lnSpc>
               <a:spcPct val="90000"/>
             </a:lnSpc>
@@ -4613,15 +6411,15 @@
             </a:spcAft>
           </a:pPr>
           <a:r>
-            <a:rPr lang="en-US" sz="1500" kern="1200" dirty="0"/>
+            <a:rPr lang="en-US" sz="1300" kern="1200" dirty="0"/>
             <a:t>Develop a Naive Bayes </a:t>
           </a:r>
           <a:r>
-            <a:rPr lang="en-US" sz="1500" kern="1200" dirty="0" smtClean="0"/>
+            <a:rPr lang="en-US" sz="1300" kern="1200" dirty="0" smtClean="0"/>
             <a:t>classifier to </a:t>
           </a:r>
           <a:r>
-            <a:rPr lang="en-US" sz="1500" kern="1200" dirty="0"/>
+            <a:rPr lang="en-US" sz="1300" kern="1200" dirty="0"/>
             <a:t>create a model to classify an article as fake or real based on its words and phrases</a:t>
           </a:r>
         </a:p>
@@ -5394,6 +7192,153 @@
 </file>
 
 <file path=ppt/diagrams/layout3.xml><?xml version="1.0" encoding="utf-8"?>
+<dgm:layoutDef xmlns:dgm="http://schemas.openxmlformats.org/drawingml/2006/diagram" xmlns:a="http://schemas.openxmlformats.org/drawingml/2006/main" uniqueId="urn:microsoft.com/office/officeart/2005/8/layout/default">
+  <dgm:title val=""/>
+  <dgm:desc val=""/>
+  <dgm:catLst>
+    <dgm:cat type="list" pri="400"/>
+  </dgm:catLst>
+  <dgm:sampData>
+    <dgm:dataModel>
+      <dgm:ptLst>
+        <dgm:pt modelId="0" type="doc"/>
+        <dgm:pt modelId="1">
+          <dgm:prSet phldr="1"/>
+        </dgm:pt>
+        <dgm:pt modelId="2">
+          <dgm:prSet phldr="1"/>
+        </dgm:pt>
+        <dgm:pt modelId="3">
+          <dgm:prSet phldr="1"/>
+        </dgm:pt>
+        <dgm:pt modelId="4">
+          <dgm:prSet phldr="1"/>
+        </dgm:pt>
+        <dgm:pt modelId="5">
+          <dgm:prSet phldr="1"/>
+        </dgm:pt>
+      </dgm:ptLst>
+      <dgm:cxnLst>
+        <dgm:cxn modelId="6" srcId="0" destId="1" srcOrd="0" destOrd="0"/>
+        <dgm:cxn modelId="7" srcId="0" destId="2" srcOrd="1" destOrd="0"/>
+        <dgm:cxn modelId="8" srcId="0" destId="3" srcOrd="2" destOrd="0"/>
+        <dgm:cxn modelId="9" srcId="0" destId="4" srcOrd="3" destOrd="0"/>
+        <dgm:cxn modelId="10" srcId="0" destId="5" srcOrd="4" destOrd="0"/>
+      </dgm:cxnLst>
+      <dgm:bg/>
+      <dgm:whole/>
+    </dgm:dataModel>
+  </dgm:sampData>
+  <dgm:styleData>
+    <dgm:dataModel>
+      <dgm:ptLst>
+        <dgm:pt modelId="0" type="doc"/>
+        <dgm:pt modelId="1"/>
+        <dgm:pt modelId="2"/>
+      </dgm:ptLst>
+      <dgm:cxnLst>
+        <dgm:cxn modelId="3" srcId="0" destId="1" srcOrd="0" destOrd="0"/>
+        <dgm:cxn modelId="4" srcId="0" destId="2" srcOrd="1" destOrd="0"/>
+      </dgm:cxnLst>
+      <dgm:bg/>
+      <dgm:whole/>
+    </dgm:dataModel>
+  </dgm:styleData>
+  <dgm:clrData>
+    <dgm:dataModel>
+      <dgm:ptLst>
+        <dgm:pt modelId="0" type="doc"/>
+        <dgm:pt modelId="1"/>
+        <dgm:pt modelId="2"/>
+        <dgm:pt modelId="3"/>
+        <dgm:pt modelId="4"/>
+        <dgm:pt modelId="5"/>
+        <dgm:pt modelId="6"/>
+      </dgm:ptLst>
+      <dgm:cxnLst>
+        <dgm:cxn modelId="7" srcId="0" destId="1" srcOrd="0" destOrd="0"/>
+        <dgm:cxn modelId="8" srcId="0" destId="2" srcOrd="1" destOrd="0"/>
+        <dgm:cxn modelId="9" srcId="0" destId="3" srcOrd="2" destOrd="0"/>
+        <dgm:cxn modelId="10" srcId="0" destId="4" srcOrd="3" destOrd="0"/>
+        <dgm:cxn modelId="11" srcId="0" destId="5" srcOrd="4" destOrd="0"/>
+        <dgm:cxn modelId="12" srcId="0" destId="6" srcOrd="5" destOrd="0"/>
+      </dgm:cxnLst>
+      <dgm:bg/>
+      <dgm:whole/>
+    </dgm:dataModel>
+  </dgm:clrData>
+  <dgm:layoutNode name="diagram">
+    <dgm:varLst>
+      <dgm:dir/>
+      <dgm:resizeHandles val="exact"/>
+    </dgm:varLst>
+    <dgm:choose name="Name0">
+      <dgm:if name="Name1" func="var" arg="dir" op="equ" val="norm">
+        <dgm:alg type="snake">
+          <dgm:param type="grDir" val="tL"/>
+          <dgm:param type="flowDir" val="row"/>
+          <dgm:param type="contDir" val="sameDir"/>
+          <dgm:param type="off" val="ctr"/>
+        </dgm:alg>
+      </dgm:if>
+      <dgm:else name="Name2">
+        <dgm:alg type="snake">
+          <dgm:param type="grDir" val="tR"/>
+          <dgm:param type="flowDir" val="row"/>
+          <dgm:param type="contDir" val="sameDir"/>
+          <dgm:param type="off" val="ctr"/>
+        </dgm:alg>
+      </dgm:else>
+    </dgm:choose>
+    <dgm:shape xmlns:r="http://schemas.openxmlformats.org/officeDocument/2006/relationships" r:blip="">
+      <dgm:adjLst/>
+    </dgm:shape>
+    <dgm:presOf/>
+    <dgm:constrLst>
+      <dgm:constr type="w" for="ch" forName="node" refType="w"/>
+      <dgm:constr type="h" for="ch" forName="node" refType="w" refFor="ch" refForName="node" fact="0.6"/>
+      <dgm:constr type="w" for="ch" forName="sibTrans" refType="w" refFor="ch" refForName="node" fact="0.1"/>
+      <dgm:constr type="sp" refType="w" refFor="ch" refForName="sibTrans"/>
+      <dgm:constr type="primFontSz" for="ch" forName="node" op="equ" val="65"/>
+    </dgm:constrLst>
+    <dgm:ruleLst/>
+    <dgm:forEach name="Name3" axis="ch" ptType="node">
+      <dgm:layoutNode name="node">
+        <dgm:varLst>
+          <dgm:bulletEnabled val="1"/>
+        </dgm:varLst>
+        <dgm:alg type="tx"/>
+        <dgm:shape xmlns:r="http://schemas.openxmlformats.org/officeDocument/2006/relationships" type="rect" r:blip="">
+          <dgm:adjLst/>
+        </dgm:shape>
+        <dgm:presOf axis="desOrSelf" ptType="node"/>
+        <dgm:constrLst>
+          <dgm:constr type="lMarg" refType="primFontSz" fact="0.3"/>
+          <dgm:constr type="rMarg" refType="primFontSz" fact="0.3"/>
+          <dgm:constr type="tMarg" refType="primFontSz" fact="0.3"/>
+          <dgm:constr type="bMarg" refType="primFontSz" fact="0.3"/>
+        </dgm:constrLst>
+        <dgm:ruleLst>
+          <dgm:rule type="primFontSz" val="5" fact="NaN" max="NaN"/>
+        </dgm:ruleLst>
+      </dgm:layoutNode>
+      <dgm:forEach name="Name4" axis="followSib" ptType="sibTrans" cnt="1">
+        <dgm:layoutNode name="sibTrans">
+          <dgm:alg type="sp"/>
+          <dgm:shape xmlns:r="http://schemas.openxmlformats.org/officeDocument/2006/relationships" r:blip="">
+            <dgm:adjLst/>
+          </dgm:shape>
+          <dgm:presOf/>
+          <dgm:constrLst/>
+          <dgm:ruleLst/>
+        </dgm:layoutNode>
+      </dgm:forEach>
+    </dgm:forEach>
+  </dgm:layoutNode>
+</dgm:layoutDef>
+</file>
+
+<file path=ppt/diagrams/layout4.xml><?xml version="1.0" encoding="utf-8"?>
 <dgm:layoutDef xmlns:dgm="http://schemas.openxmlformats.org/drawingml/2006/diagram" xmlns:a="http://schemas.openxmlformats.org/drawingml/2006/main" uniqueId="urn:microsoft.com/office/officeart/2016/7/layout/BasicLinearProcessNumbered">
   <dgm:title val="Basic Linear Process Numbered"/>
   <dgm:desc val="Used to show a progression; a timeline; sequential steps in a task, process, or workflow; or to emphasize movement or direction. Automatic numbers have been introduced to show the steps of the process which appears in a circle. Level 1 and Level 2 text appear in a rectangle."/>
@@ -5658,7 +7603,7 @@
   </dgm:layoutNode>
   <dgm:extLst>
     <a:ext uri="{4F341089-5ED1-44EC-B178-C955D00A3D55}">
-      <dgm1611:autoBuNodeInfoLst xmlns="" xmlns:dgm1611="http://schemas.microsoft.com/office/drawing/2016/11/diagram">
+      <dgm1611:autoBuNodeInfoLst xmlns:dgm1611="http://schemas.microsoft.com/office/drawing/2016/11/diagram" xmlns="">
         <dgm1611:autoBuNodeInfo lvl="1" ptType="sibTrans">
           <dgm1611:buPr prefix="" leadZeros="0">
             <a:buAutoNum type="arabicParenBoth"/>
@@ -7739,6 +9684,1040 @@
 </file>
 
 <file path=ppt/diagrams/quickStyle3.xml><?xml version="1.0" encoding="utf-8"?>
+<dgm:styleDef xmlns:dgm="http://schemas.openxmlformats.org/drawingml/2006/diagram" xmlns:a="http://schemas.openxmlformats.org/drawingml/2006/main" uniqueId="urn:microsoft.com/office/officeart/2005/8/quickstyle/simple2">
+  <dgm:title val=""/>
+  <dgm:desc val=""/>
+  <dgm:catLst>
+    <dgm:cat type="simple" pri="10200"/>
+  </dgm:catLst>
+  <dgm:scene3d>
+    <a:camera prst="orthographicFront"/>
+    <a:lightRig rig="threePt" dir="t"/>
+  </dgm:scene3d>
+  <dgm:styleLbl name="node0">
+    <dgm:scene3d>
+      <a:camera prst="orthographicFront"/>
+      <a:lightRig rig="threePt" dir="t"/>
+    </dgm:scene3d>
+    <dgm:sp3d/>
+    <dgm:txPr/>
+    <dgm:style>
+      <a:lnRef idx="3">
+        <a:scrgbClr r="0" g="0" b="0"/>
+      </a:lnRef>
+      <a:fillRef idx="1">
+        <a:scrgbClr r="0" g="0" b="0"/>
+      </a:fillRef>
+      <a:effectRef idx="1">
+        <a:scrgbClr r="0" g="0" b="0"/>
+      </a:effectRef>
+      <a:fontRef idx="minor">
+        <a:schemeClr val="lt1"/>
+      </a:fontRef>
+    </dgm:style>
+  </dgm:styleLbl>
+  <dgm:styleLbl name="lnNode1">
+    <dgm:scene3d>
+      <a:camera prst="orthographicFront"/>
+      <a:lightRig rig="threePt" dir="t"/>
+    </dgm:scene3d>
+    <dgm:sp3d/>
+    <dgm:txPr/>
+    <dgm:style>
+      <a:lnRef idx="3">
+        <a:scrgbClr r="0" g="0" b="0"/>
+      </a:lnRef>
+      <a:fillRef idx="1">
+        <a:scrgbClr r="0" g="0" b="0"/>
+      </a:fillRef>
+      <a:effectRef idx="1">
+        <a:scrgbClr r="0" g="0" b="0"/>
+      </a:effectRef>
+      <a:fontRef idx="minor">
+        <a:schemeClr val="lt1"/>
+      </a:fontRef>
+    </dgm:style>
+  </dgm:styleLbl>
+  <dgm:styleLbl name="vennNode1">
+    <dgm:scene3d>
+      <a:camera prst="orthographicFront"/>
+      <a:lightRig rig="threePt" dir="t"/>
+    </dgm:scene3d>
+    <dgm:sp3d/>
+    <dgm:txPr/>
+    <dgm:style>
+      <a:lnRef idx="3">
+        <a:scrgbClr r="0" g="0" b="0"/>
+      </a:lnRef>
+      <a:fillRef idx="1">
+        <a:scrgbClr r="0" g="0" b="0"/>
+      </a:fillRef>
+      <a:effectRef idx="0">
+        <a:scrgbClr r="0" g="0" b="0"/>
+      </a:effectRef>
+      <a:fontRef idx="minor">
+        <a:schemeClr val="tx1"/>
+      </a:fontRef>
+    </dgm:style>
+  </dgm:styleLbl>
+  <dgm:styleLbl name="alignNode1">
+    <dgm:scene3d>
+      <a:camera prst="orthographicFront"/>
+      <a:lightRig rig="threePt" dir="t"/>
+    </dgm:scene3d>
+    <dgm:sp3d/>
+    <dgm:txPr/>
+    <dgm:style>
+      <a:lnRef idx="2">
+        <a:scrgbClr r="0" g="0" b="0"/>
+      </a:lnRef>
+      <a:fillRef idx="1">
+        <a:scrgbClr r="0" g="0" b="0"/>
+      </a:fillRef>
+      <a:effectRef idx="1">
+        <a:scrgbClr r="0" g="0" b="0"/>
+      </a:effectRef>
+      <a:fontRef idx="minor">
+        <a:schemeClr val="lt1"/>
+      </a:fontRef>
+    </dgm:style>
+  </dgm:styleLbl>
+  <dgm:styleLbl name="node1">
+    <dgm:scene3d>
+      <a:camera prst="orthographicFront"/>
+      <a:lightRig rig="threePt" dir="t"/>
+    </dgm:scene3d>
+    <dgm:sp3d/>
+    <dgm:txPr/>
+    <dgm:style>
+      <a:lnRef idx="3">
+        <a:scrgbClr r="0" g="0" b="0"/>
+      </a:lnRef>
+      <a:fillRef idx="1">
+        <a:scrgbClr r="0" g="0" b="0"/>
+      </a:fillRef>
+      <a:effectRef idx="1">
+        <a:scrgbClr r="0" g="0" b="0"/>
+      </a:effectRef>
+      <a:fontRef idx="minor">
+        <a:schemeClr val="lt1"/>
+      </a:fontRef>
+    </dgm:style>
+  </dgm:styleLbl>
+  <dgm:styleLbl name="node2">
+    <dgm:scene3d>
+      <a:camera prst="orthographicFront"/>
+      <a:lightRig rig="threePt" dir="t"/>
+    </dgm:scene3d>
+    <dgm:sp3d/>
+    <dgm:txPr/>
+    <dgm:style>
+      <a:lnRef idx="3">
+        <a:scrgbClr r="0" g="0" b="0"/>
+      </a:lnRef>
+      <a:fillRef idx="1">
+        <a:scrgbClr r="0" g="0" b="0"/>
+      </a:fillRef>
+      <a:effectRef idx="1">
+        <a:scrgbClr r="0" g="0" b="0"/>
+      </a:effectRef>
+      <a:fontRef idx="minor">
+        <a:schemeClr val="lt1"/>
+      </a:fontRef>
+    </dgm:style>
+  </dgm:styleLbl>
+  <dgm:styleLbl name="node3">
+    <dgm:scene3d>
+      <a:camera prst="orthographicFront"/>
+      <a:lightRig rig="threePt" dir="t"/>
+    </dgm:scene3d>
+    <dgm:sp3d/>
+    <dgm:txPr/>
+    <dgm:style>
+      <a:lnRef idx="3">
+        <a:scrgbClr r="0" g="0" b="0"/>
+      </a:lnRef>
+      <a:fillRef idx="1">
+        <a:scrgbClr r="0" g="0" b="0"/>
+      </a:fillRef>
+      <a:effectRef idx="1">
+        <a:scrgbClr r="0" g="0" b="0"/>
+      </a:effectRef>
+      <a:fontRef idx="minor">
+        <a:schemeClr val="lt1"/>
+      </a:fontRef>
+    </dgm:style>
+  </dgm:styleLbl>
+  <dgm:styleLbl name="node4">
+    <dgm:scene3d>
+      <a:camera prst="orthographicFront"/>
+      <a:lightRig rig="threePt" dir="t"/>
+    </dgm:scene3d>
+    <dgm:sp3d/>
+    <dgm:txPr/>
+    <dgm:style>
+      <a:lnRef idx="3">
+        <a:scrgbClr r="0" g="0" b="0"/>
+      </a:lnRef>
+      <a:fillRef idx="1">
+        <a:scrgbClr r="0" g="0" b="0"/>
+      </a:fillRef>
+      <a:effectRef idx="1">
+        <a:scrgbClr r="0" g="0" b="0"/>
+      </a:effectRef>
+      <a:fontRef idx="minor">
+        <a:schemeClr val="lt1"/>
+      </a:fontRef>
+    </dgm:style>
+  </dgm:styleLbl>
+  <dgm:styleLbl name="fgImgPlace1">
+    <dgm:scene3d>
+      <a:camera prst="orthographicFront"/>
+      <a:lightRig rig="threePt" dir="t"/>
+    </dgm:scene3d>
+    <dgm:sp3d/>
+    <dgm:txPr/>
+    <dgm:style>
+      <a:lnRef idx="3">
+        <a:scrgbClr r="0" g="0" b="0"/>
+      </a:lnRef>
+      <a:fillRef idx="1">
+        <a:scrgbClr r="0" g="0" b="0"/>
+      </a:fillRef>
+      <a:effectRef idx="1">
+        <a:scrgbClr r="0" g="0" b="0"/>
+      </a:effectRef>
+      <a:fontRef idx="minor"/>
+    </dgm:style>
+  </dgm:styleLbl>
+  <dgm:styleLbl name="alignImgPlace1">
+    <dgm:scene3d>
+      <a:camera prst="orthographicFront"/>
+      <a:lightRig rig="threePt" dir="t"/>
+    </dgm:scene3d>
+    <dgm:sp3d/>
+    <dgm:txPr/>
+    <dgm:style>
+      <a:lnRef idx="3">
+        <a:scrgbClr r="0" g="0" b="0"/>
+      </a:lnRef>
+      <a:fillRef idx="1">
+        <a:scrgbClr r="0" g="0" b="0"/>
+      </a:fillRef>
+      <a:effectRef idx="1">
+        <a:scrgbClr r="0" g="0" b="0"/>
+      </a:effectRef>
+      <a:fontRef idx="minor"/>
+    </dgm:style>
+  </dgm:styleLbl>
+  <dgm:styleLbl name="bgImgPlace1">
+    <dgm:scene3d>
+      <a:camera prst="orthographicFront"/>
+      <a:lightRig rig="threePt" dir="t"/>
+    </dgm:scene3d>
+    <dgm:sp3d/>
+    <dgm:txPr/>
+    <dgm:style>
+      <a:lnRef idx="3">
+        <a:scrgbClr r="0" g="0" b="0"/>
+      </a:lnRef>
+      <a:fillRef idx="1">
+        <a:scrgbClr r="0" g="0" b="0"/>
+      </a:fillRef>
+      <a:effectRef idx="1">
+        <a:scrgbClr r="0" g="0" b="0"/>
+      </a:effectRef>
+      <a:fontRef idx="minor"/>
+    </dgm:style>
+  </dgm:styleLbl>
+  <dgm:styleLbl name="sibTrans2D1">
+    <dgm:scene3d>
+      <a:camera prst="orthographicFront"/>
+      <a:lightRig rig="threePt" dir="t"/>
+    </dgm:scene3d>
+    <dgm:sp3d/>
+    <dgm:txPr/>
+    <dgm:style>
+      <a:lnRef idx="0">
+        <a:scrgbClr r="0" g="0" b="0"/>
+      </a:lnRef>
+      <a:fillRef idx="1">
+        <a:scrgbClr r="0" g="0" b="0"/>
+      </a:fillRef>
+      <a:effectRef idx="1">
+        <a:scrgbClr r="0" g="0" b="0"/>
+      </a:effectRef>
+      <a:fontRef idx="minor">
+        <a:schemeClr val="lt1"/>
+      </a:fontRef>
+    </dgm:style>
+  </dgm:styleLbl>
+  <dgm:styleLbl name="fgSibTrans2D1">
+    <dgm:scene3d>
+      <a:camera prst="orthographicFront"/>
+      <a:lightRig rig="threePt" dir="t"/>
+    </dgm:scene3d>
+    <dgm:sp3d/>
+    <dgm:txPr/>
+    <dgm:style>
+      <a:lnRef idx="0">
+        <a:scrgbClr r="0" g="0" b="0"/>
+      </a:lnRef>
+      <a:fillRef idx="1">
+        <a:scrgbClr r="0" g="0" b="0"/>
+      </a:fillRef>
+      <a:effectRef idx="1">
+        <a:scrgbClr r="0" g="0" b="0"/>
+      </a:effectRef>
+      <a:fontRef idx="minor">
+        <a:schemeClr val="lt1"/>
+      </a:fontRef>
+    </dgm:style>
+  </dgm:styleLbl>
+  <dgm:styleLbl name="bgSibTrans2D1">
+    <dgm:scene3d>
+      <a:camera prst="orthographicFront"/>
+      <a:lightRig rig="threePt" dir="t"/>
+    </dgm:scene3d>
+    <dgm:sp3d/>
+    <dgm:txPr/>
+    <dgm:style>
+      <a:lnRef idx="0">
+        <a:scrgbClr r="0" g="0" b="0"/>
+      </a:lnRef>
+      <a:fillRef idx="1">
+        <a:scrgbClr r="0" g="0" b="0"/>
+      </a:fillRef>
+      <a:effectRef idx="1">
+        <a:scrgbClr r="0" g="0" b="0"/>
+      </a:effectRef>
+      <a:fontRef idx="minor">
+        <a:schemeClr val="lt1"/>
+      </a:fontRef>
+    </dgm:style>
+  </dgm:styleLbl>
+  <dgm:styleLbl name="sibTrans1D1">
+    <dgm:scene3d>
+      <a:camera prst="orthographicFront"/>
+      <a:lightRig rig="threePt" dir="t"/>
+    </dgm:scene3d>
+    <dgm:sp3d/>
+    <dgm:txPr/>
+    <dgm:style>
+      <a:lnRef idx="1">
+        <a:scrgbClr r="0" g="0" b="0"/>
+      </a:lnRef>
+      <a:fillRef idx="0">
+        <a:scrgbClr r="0" g="0" b="0"/>
+      </a:fillRef>
+      <a:effectRef idx="0">
+        <a:scrgbClr r="0" g="0" b="0"/>
+      </a:effectRef>
+      <a:fontRef idx="minor"/>
+    </dgm:style>
+  </dgm:styleLbl>
+  <dgm:styleLbl name="callout">
+    <dgm:scene3d>
+      <a:camera prst="orthographicFront"/>
+      <a:lightRig rig="threePt" dir="t"/>
+    </dgm:scene3d>
+    <dgm:sp3d/>
+    <dgm:txPr/>
+    <dgm:style>
+      <a:lnRef idx="2">
+        <a:scrgbClr r="0" g="0" b="0"/>
+      </a:lnRef>
+      <a:fillRef idx="1">
+        <a:scrgbClr r="0" g="0" b="0"/>
+      </a:fillRef>
+      <a:effectRef idx="1">
+        <a:scrgbClr r="0" g="0" b="0"/>
+      </a:effectRef>
+      <a:fontRef idx="minor"/>
+    </dgm:style>
+  </dgm:styleLbl>
+  <dgm:styleLbl name="asst0">
+    <dgm:scene3d>
+      <a:camera prst="orthographicFront"/>
+      <a:lightRig rig="threePt" dir="t"/>
+    </dgm:scene3d>
+    <dgm:sp3d/>
+    <dgm:txPr/>
+    <dgm:style>
+      <a:lnRef idx="3">
+        <a:scrgbClr r="0" g="0" b="0"/>
+      </a:lnRef>
+      <a:fillRef idx="1">
+        <a:scrgbClr r="0" g="0" b="0"/>
+      </a:fillRef>
+      <a:effectRef idx="1">
+        <a:scrgbClr r="0" g="0" b="0"/>
+      </a:effectRef>
+      <a:fontRef idx="minor">
+        <a:schemeClr val="lt1"/>
+      </a:fontRef>
+    </dgm:style>
+  </dgm:styleLbl>
+  <dgm:styleLbl name="asst1">
+    <dgm:scene3d>
+      <a:camera prst="orthographicFront"/>
+      <a:lightRig rig="threePt" dir="t"/>
+    </dgm:scene3d>
+    <dgm:sp3d/>
+    <dgm:txPr/>
+    <dgm:style>
+      <a:lnRef idx="3">
+        <a:scrgbClr r="0" g="0" b="0"/>
+      </a:lnRef>
+      <a:fillRef idx="1">
+        <a:scrgbClr r="0" g="0" b="0"/>
+      </a:fillRef>
+      <a:effectRef idx="1">
+        <a:scrgbClr r="0" g="0" b="0"/>
+      </a:effectRef>
+      <a:fontRef idx="minor">
+        <a:schemeClr val="lt1"/>
+      </a:fontRef>
+    </dgm:style>
+  </dgm:styleLbl>
+  <dgm:styleLbl name="asst2">
+    <dgm:scene3d>
+      <a:camera prst="orthographicFront"/>
+      <a:lightRig rig="threePt" dir="t"/>
+    </dgm:scene3d>
+    <dgm:sp3d/>
+    <dgm:txPr/>
+    <dgm:style>
+      <a:lnRef idx="3">
+        <a:scrgbClr r="0" g="0" b="0"/>
+      </a:lnRef>
+      <a:fillRef idx="1">
+        <a:scrgbClr r="0" g="0" b="0"/>
+      </a:fillRef>
+      <a:effectRef idx="1">
+        <a:scrgbClr r="0" g="0" b="0"/>
+      </a:effectRef>
+      <a:fontRef idx="minor">
+        <a:schemeClr val="lt1"/>
+      </a:fontRef>
+    </dgm:style>
+  </dgm:styleLbl>
+  <dgm:styleLbl name="asst3">
+    <dgm:scene3d>
+      <a:camera prst="orthographicFront"/>
+      <a:lightRig rig="threePt" dir="t"/>
+    </dgm:scene3d>
+    <dgm:sp3d/>
+    <dgm:txPr/>
+    <dgm:style>
+      <a:lnRef idx="3">
+        <a:scrgbClr r="0" g="0" b="0"/>
+      </a:lnRef>
+      <a:fillRef idx="1">
+        <a:scrgbClr r="0" g="0" b="0"/>
+      </a:fillRef>
+      <a:effectRef idx="1">
+        <a:scrgbClr r="0" g="0" b="0"/>
+      </a:effectRef>
+      <a:fontRef idx="minor">
+        <a:schemeClr val="lt1"/>
+      </a:fontRef>
+    </dgm:style>
+  </dgm:styleLbl>
+  <dgm:styleLbl name="asst4">
+    <dgm:scene3d>
+      <a:camera prst="orthographicFront"/>
+      <a:lightRig rig="threePt" dir="t"/>
+    </dgm:scene3d>
+    <dgm:sp3d/>
+    <dgm:txPr/>
+    <dgm:style>
+      <a:lnRef idx="3">
+        <a:scrgbClr r="0" g="0" b="0"/>
+      </a:lnRef>
+      <a:fillRef idx="1">
+        <a:scrgbClr r="0" g="0" b="0"/>
+      </a:fillRef>
+      <a:effectRef idx="1">
+        <a:scrgbClr r="0" g="0" b="0"/>
+      </a:effectRef>
+      <a:fontRef idx="minor">
+        <a:schemeClr val="lt1"/>
+      </a:fontRef>
+    </dgm:style>
+  </dgm:styleLbl>
+  <dgm:styleLbl name="parChTrans2D1">
+    <dgm:scene3d>
+      <a:camera prst="orthographicFront"/>
+      <a:lightRig rig="threePt" dir="t"/>
+    </dgm:scene3d>
+    <dgm:sp3d/>
+    <dgm:txPr/>
+    <dgm:style>
+      <a:lnRef idx="3">
+        <a:scrgbClr r="0" g="0" b="0"/>
+      </a:lnRef>
+      <a:fillRef idx="1">
+        <a:scrgbClr r="0" g="0" b="0"/>
+      </a:fillRef>
+      <a:effectRef idx="1">
+        <a:scrgbClr r="0" g="0" b="0"/>
+      </a:effectRef>
+      <a:fontRef idx="minor">
+        <a:schemeClr val="lt1"/>
+      </a:fontRef>
+    </dgm:style>
+  </dgm:styleLbl>
+  <dgm:styleLbl name="parChTrans2D2">
+    <dgm:scene3d>
+      <a:camera prst="orthographicFront"/>
+      <a:lightRig rig="threePt" dir="t"/>
+    </dgm:scene3d>
+    <dgm:sp3d/>
+    <dgm:txPr/>
+    <dgm:style>
+      <a:lnRef idx="3">
+        <a:scrgbClr r="0" g="0" b="0"/>
+      </a:lnRef>
+      <a:fillRef idx="1">
+        <a:scrgbClr r="0" g="0" b="0"/>
+      </a:fillRef>
+      <a:effectRef idx="1">
+        <a:scrgbClr r="0" g="0" b="0"/>
+      </a:effectRef>
+      <a:fontRef idx="minor">
+        <a:schemeClr val="lt1"/>
+      </a:fontRef>
+    </dgm:style>
+  </dgm:styleLbl>
+  <dgm:styleLbl name="parChTrans2D3">
+    <dgm:scene3d>
+      <a:camera prst="orthographicFront"/>
+      <a:lightRig rig="threePt" dir="t"/>
+    </dgm:scene3d>
+    <dgm:sp3d/>
+    <dgm:txPr/>
+    <dgm:style>
+      <a:lnRef idx="3">
+        <a:scrgbClr r="0" g="0" b="0"/>
+      </a:lnRef>
+      <a:fillRef idx="1">
+        <a:scrgbClr r="0" g="0" b="0"/>
+      </a:fillRef>
+      <a:effectRef idx="1">
+        <a:scrgbClr r="0" g="0" b="0"/>
+      </a:effectRef>
+      <a:fontRef idx="minor">
+        <a:schemeClr val="lt1"/>
+      </a:fontRef>
+    </dgm:style>
+  </dgm:styleLbl>
+  <dgm:styleLbl name="parChTrans2D4">
+    <dgm:scene3d>
+      <a:camera prst="orthographicFront"/>
+      <a:lightRig rig="threePt" dir="t"/>
+    </dgm:scene3d>
+    <dgm:sp3d/>
+    <dgm:txPr/>
+    <dgm:style>
+      <a:lnRef idx="3">
+        <a:scrgbClr r="0" g="0" b="0"/>
+      </a:lnRef>
+      <a:fillRef idx="1">
+        <a:scrgbClr r="0" g="0" b="0"/>
+      </a:fillRef>
+      <a:effectRef idx="1">
+        <a:scrgbClr r="0" g="0" b="0"/>
+      </a:effectRef>
+      <a:fontRef idx="minor">
+        <a:schemeClr val="lt1"/>
+      </a:fontRef>
+    </dgm:style>
+  </dgm:styleLbl>
+  <dgm:styleLbl name="parChTrans1D1">
+    <dgm:scene3d>
+      <a:camera prst="orthographicFront"/>
+      <a:lightRig rig="threePt" dir="t"/>
+    </dgm:scene3d>
+    <dgm:sp3d/>
+    <dgm:txPr/>
+    <dgm:style>
+      <a:lnRef idx="2">
+        <a:scrgbClr r="0" g="0" b="0"/>
+      </a:lnRef>
+      <a:fillRef idx="0">
+        <a:scrgbClr r="0" g="0" b="0"/>
+      </a:fillRef>
+      <a:effectRef idx="0">
+        <a:scrgbClr r="0" g="0" b="0"/>
+      </a:effectRef>
+      <a:fontRef idx="minor"/>
+    </dgm:style>
+  </dgm:styleLbl>
+  <dgm:styleLbl name="parChTrans1D2">
+    <dgm:scene3d>
+      <a:camera prst="orthographicFront"/>
+      <a:lightRig rig="threePt" dir="t"/>
+    </dgm:scene3d>
+    <dgm:sp3d/>
+    <dgm:txPr/>
+    <dgm:style>
+      <a:lnRef idx="2">
+        <a:scrgbClr r="0" g="0" b="0"/>
+      </a:lnRef>
+      <a:fillRef idx="0">
+        <a:scrgbClr r="0" g="0" b="0"/>
+      </a:fillRef>
+      <a:effectRef idx="0">
+        <a:scrgbClr r="0" g="0" b="0"/>
+      </a:effectRef>
+      <a:fontRef idx="minor"/>
+    </dgm:style>
+  </dgm:styleLbl>
+  <dgm:styleLbl name="parChTrans1D3">
+    <dgm:scene3d>
+      <a:camera prst="orthographicFront"/>
+      <a:lightRig rig="threePt" dir="t"/>
+    </dgm:scene3d>
+    <dgm:sp3d/>
+    <dgm:txPr/>
+    <dgm:style>
+      <a:lnRef idx="2">
+        <a:scrgbClr r="0" g="0" b="0"/>
+      </a:lnRef>
+      <a:fillRef idx="0">
+        <a:scrgbClr r="0" g="0" b="0"/>
+      </a:fillRef>
+      <a:effectRef idx="0">
+        <a:scrgbClr r="0" g="0" b="0"/>
+      </a:effectRef>
+      <a:fontRef idx="minor"/>
+    </dgm:style>
+  </dgm:styleLbl>
+  <dgm:styleLbl name="parChTrans1D4">
+    <dgm:scene3d>
+      <a:camera prst="orthographicFront"/>
+      <a:lightRig rig="threePt" dir="t"/>
+    </dgm:scene3d>
+    <dgm:sp3d/>
+    <dgm:txPr/>
+    <dgm:style>
+      <a:lnRef idx="2">
+        <a:scrgbClr r="0" g="0" b="0"/>
+      </a:lnRef>
+      <a:fillRef idx="0">
+        <a:scrgbClr r="0" g="0" b="0"/>
+      </a:fillRef>
+      <a:effectRef idx="0">
+        <a:scrgbClr r="0" g="0" b="0"/>
+      </a:effectRef>
+      <a:fontRef idx="minor"/>
+    </dgm:style>
+  </dgm:styleLbl>
+  <dgm:styleLbl name="fgAcc1">
+    <dgm:scene3d>
+      <a:camera prst="orthographicFront"/>
+      <a:lightRig rig="threePt" dir="t"/>
+    </dgm:scene3d>
+    <dgm:sp3d/>
+    <dgm:txPr/>
+    <dgm:style>
+      <a:lnRef idx="2">
+        <a:scrgbClr r="0" g="0" b="0"/>
+      </a:lnRef>
+      <a:fillRef idx="1">
+        <a:scrgbClr r="0" g="0" b="0"/>
+      </a:fillRef>
+      <a:effectRef idx="0">
+        <a:scrgbClr r="0" g="0" b="0"/>
+      </a:effectRef>
+      <a:fontRef idx="minor"/>
+    </dgm:style>
+  </dgm:styleLbl>
+  <dgm:styleLbl name="conFgAcc1">
+    <dgm:scene3d>
+      <a:camera prst="orthographicFront"/>
+      <a:lightRig rig="threePt" dir="t"/>
+    </dgm:scene3d>
+    <dgm:sp3d/>
+    <dgm:txPr/>
+    <dgm:style>
+      <a:lnRef idx="2">
+        <a:scrgbClr r="0" g="0" b="0"/>
+      </a:lnRef>
+      <a:fillRef idx="1">
+        <a:scrgbClr r="0" g="0" b="0"/>
+      </a:fillRef>
+      <a:effectRef idx="0">
+        <a:scrgbClr r="0" g="0" b="0"/>
+      </a:effectRef>
+      <a:fontRef idx="minor"/>
+    </dgm:style>
+  </dgm:styleLbl>
+  <dgm:styleLbl name="alignAcc1">
+    <dgm:scene3d>
+      <a:camera prst="orthographicFront"/>
+      <a:lightRig rig="threePt" dir="t"/>
+    </dgm:scene3d>
+    <dgm:sp3d/>
+    <dgm:txPr/>
+    <dgm:style>
+      <a:lnRef idx="2">
+        <a:scrgbClr r="0" g="0" b="0"/>
+      </a:lnRef>
+      <a:fillRef idx="1">
+        <a:scrgbClr r="0" g="0" b="0"/>
+      </a:fillRef>
+      <a:effectRef idx="0">
+        <a:scrgbClr r="0" g="0" b="0"/>
+      </a:effectRef>
+      <a:fontRef idx="minor"/>
+    </dgm:style>
+  </dgm:styleLbl>
+  <dgm:styleLbl name="trAlignAcc1">
+    <dgm:scene3d>
+      <a:camera prst="orthographicFront"/>
+      <a:lightRig rig="threePt" dir="t"/>
+    </dgm:scene3d>
+    <dgm:sp3d/>
+    <dgm:txPr/>
+    <dgm:style>
+      <a:lnRef idx="1">
+        <a:scrgbClr r="0" g="0" b="0"/>
+      </a:lnRef>
+      <a:fillRef idx="1">
+        <a:scrgbClr r="0" g="0" b="0"/>
+      </a:fillRef>
+      <a:effectRef idx="0">
+        <a:scrgbClr r="0" g="0" b="0"/>
+      </a:effectRef>
+      <a:fontRef idx="minor"/>
+    </dgm:style>
+  </dgm:styleLbl>
+  <dgm:styleLbl name="bgAcc1">
+    <dgm:scene3d>
+      <a:camera prst="orthographicFront"/>
+      <a:lightRig rig="threePt" dir="t"/>
+    </dgm:scene3d>
+    <dgm:sp3d/>
+    <dgm:txPr/>
+    <dgm:style>
+      <a:lnRef idx="2">
+        <a:scrgbClr r="0" g="0" b="0"/>
+      </a:lnRef>
+      <a:fillRef idx="1">
+        <a:scrgbClr r="0" g="0" b="0"/>
+      </a:fillRef>
+      <a:effectRef idx="0">
+        <a:scrgbClr r="0" g="0" b="0"/>
+      </a:effectRef>
+      <a:fontRef idx="minor"/>
+    </dgm:style>
+  </dgm:styleLbl>
+  <dgm:styleLbl name="solidFgAcc1">
+    <dgm:scene3d>
+      <a:camera prst="orthographicFront"/>
+      <a:lightRig rig="threePt" dir="t"/>
+    </dgm:scene3d>
+    <dgm:sp3d/>
+    <dgm:txPr/>
+    <dgm:style>
+      <a:lnRef idx="2">
+        <a:scrgbClr r="0" g="0" b="0"/>
+      </a:lnRef>
+      <a:fillRef idx="1">
+        <a:scrgbClr r="0" g="0" b="0"/>
+      </a:fillRef>
+      <a:effectRef idx="0">
+        <a:scrgbClr r="0" g="0" b="0"/>
+      </a:effectRef>
+      <a:fontRef idx="minor"/>
+    </dgm:style>
+  </dgm:styleLbl>
+  <dgm:styleLbl name="solidAlignAcc1">
+    <dgm:scene3d>
+      <a:camera prst="orthographicFront"/>
+      <a:lightRig rig="threePt" dir="t"/>
+    </dgm:scene3d>
+    <dgm:sp3d/>
+    <dgm:txPr/>
+    <dgm:style>
+      <a:lnRef idx="2">
+        <a:scrgbClr r="0" g="0" b="0"/>
+      </a:lnRef>
+      <a:fillRef idx="1">
+        <a:scrgbClr r="0" g="0" b="0"/>
+      </a:fillRef>
+      <a:effectRef idx="0">
+        <a:scrgbClr r="0" g="0" b="0"/>
+      </a:effectRef>
+      <a:fontRef idx="minor"/>
+    </dgm:style>
+  </dgm:styleLbl>
+  <dgm:styleLbl name="solidBgAcc1">
+    <dgm:scene3d>
+      <a:camera prst="orthographicFront"/>
+      <a:lightRig rig="threePt" dir="t"/>
+    </dgm:scene3d>
+    <dgm:sp3d/>
+    <dgm:txPr/>
+    <dgm:style>
+      <a:lnRef idx="2">
+        <a:scrgbClr r="0" g="0" b="0"/>
+      </a:lnRef>
+      <a:fillRef idx="1">
+        <a:scrgbClr r="0" g="0" b="0"/>
+      </a:fillRef>
+      <a:effectRef idx="0">
+        <a:scrgbClr r="0" g="0" b="0"/>
+      </a:effectRef>
+      <a:fontRef idx="minor"/>
+    </dgm:style>
+  </dgm:styleLbl>
+  <dgm:styleLbl name="fgAccFollowNode1">
+    <dgm:scene3d>
+      <a:camera prst="orthographicFront"/>
+      <a:lightRig rig="threePt" dir="t"/>
+    </dgm:scene3d>
+    <dgm:sp3d/>
+    <dgm:txPr/>
+    <dgm:style>
+      <a:lnRef idx="2">
+        <a:scrgbClr r="0" g="0" b="0"/>
+      </a:lnRef>
+      <a:fillRef idx="1">
+        <a:scrgbClr r="0" g="0" b="0"/>
+      </a:fillRef>
+      <a:effectRef idx="0">
+        <a:scrgbClr r="0" g="0" b="0"/>
+      </a:effectRef>
+      <a:fontRef idx="minor"/>
+    </dgm:style>
+  </dgm:styleLbl>
+  <dgm:styleLbl name="alignAccFollowNode1">
+    <dgm:scene3d>
+      <a:camera prst="orthographicFront"/>
+      <a:lightRig rig="threePt" dir="t"/>
+    </dgm:scene3d>
+    <dgm:sp3d/>
+    <dgm:txPr/>
+    <dgm:style>
+      <a:lnRef idx="2">
+        <a:scrgbClr r="0" g="0" b="0"/>
+      </a:lnRef>
+      <a:fillRef idx="1">
+        <a:scrgbClr r="0" g="0" b="0"/>
+      </a:fillRef>
+      <a:effectRef idx="0">
+        <a:scrgbClr r="0" g="0" b="0"/>
+      </a:effectRef>
+      <a:fontRef idx="minor"/>
+    </dgm:style>
+  </dgm:styleLbl>
+  <dgm:styleLbl name="bgAccFollowNode1">
+    <dgm:scene3d>
+      <a:camera prst="orthographicFront"/>
+      <a:lightRig rig="threePt" dir="t"/>
+    </dgm:scene3d>
+    <dgm:sp3d/>
+    <dgm:txPr/>
+    <dgm:style>
+      <a:lnRef idx="2">
+        <a:scrgbClr r="0" g="0" b="0"/>
+      </a:lnRef>
+      <a:fillRef idx="1">
+        <a:scrgbClr r="0" g="0" b="0"/>
+      </a:fillRef>
+      <a:effectRef idx="0">
+        <a:scrgbClr r="0" g="0" b="0"/>
+      </a:effectRef>
+      <a:fontRef idx="minor"/>
+    </dgm:style>
+  </dgm:styleLbl>
+  <dgm:styleLbl name="fgAcc0">
+    <dgm:scene3d>
+      <a:camera prst="orthographicFront"/>
+      <a:lightRig rig="threePt" dir="t"/>
+    </dgm:scene3d>
+    <dgm:sp3d/>
+    <dgm:txPr/>
+    <dgm:style>
+      <a:lnRef idx="2">
+        <a:scrgbClr r="0" g="0" b="0"/>
+      </a:lnRef>
+      <a:fillRef idx="1">
+        <a:scrgbClr r="0" g="0" b="0"/>
+      </a:fillRef>
+      <a:effectRef idx="0">
+        <a:scrgbClr r="0" g="0" b="0"/>
+      </a:effectRef>
+      <a:fontRef idx="minor"/>
+    </dgm:style>
+  </dgm:styleLbl>
+  <dgm:styleLbl name="fgAcc2">
+    <dgm:scene3d>
+      <a:camera prst="orthographicFront"/>
+      <a:lightRig rig="threePt" dir="t"/>
+    </dgm:scene3d>
+    <dgm:sp3d/>
+    <dgm:txPr/>
+    <dgm:style>
+      <a:lnRef idx="2">
+        <a:scrgbClr r="0" g="0" b="0"/>
+      </a:lnRef>
+      <a:fillRef idx="1">
+        <a:scrgbClr r="0" g="0" b="0"/>
+      </a:fillRef>
+      <a:effectRef idx="0">
+        <a:scrgbClr r="0" g="0" b="0"/>
+      </a:effectRef>
+      <a:fontRef idx="minor"/>
+    </dgm:style>
+  </dgm:styleLbl>
+  <dgm:styleLbl name="fgAcc3">
+    <dgm:scene3d>
+      <a:camera prst="orthographicFront"/>
+      <a:lightRig rig="threePt" dir="t"/>
+    </dgm:scene3d>
+    <dgm:sp3d/>
+    <dgm:txPr/>
+    <dgm:style>
+      <a:lnRef idx="2">
+        <a:scrgbClr r="0" g="0" b="0"/>
+      </a:lnRef>
+      <a:fillRef idx="1">
+        <a:scrgbClr r="0" g="0" b="0"/>
+      </a:fillRef>
+      <a:effectRef idx="0">
+        <a:scrgbClr r="0" g="0" b="0"/>
+      </a:effectRef>
+      <a:fontRef idx="minor"/>
+    </dgm:style>
+  </dgm:styleLbl>
+  <dgm:styleLbl name="fgAcc4">
+    <dgm:scene3d>
+      <a:camera prst="orthographicFront"/>
+      <a:lightRig rig="threePt" dir="t"/>
+    </dgm:scene3d>
+    <dgm:sp3d/>
+    <dgm:txPr/>
+    <dgm:style>
+      <a:lnRef idx="2">
+        <a:scrgbClr r="0" g="0" b="0"/>
+      </a:lnRef>
+      <a:fillRef idx="1">
+        <a:scrgbClr r="0" g="0" b="0"/>
+      </a:fillRef>
+      <a:effectRef idx="0">
+        <a:scrgbClr r="0" g="0" b="0"/>
+      </a:effectRef>
+      <a:fontRef idx="minor"/>
+    </dgm:style>
+  </dgm:styleLbl>
+  <dgm:styleLbl name="bgShp">
+    <dgm:scene3d>
+      <a:camera prst="orthographicFront"/>
+      <a:lightRig rig="threePt" dir="t"/>
+    </dgm:scene3d>
+    <dgm:sp3d/>
+    <dgm:txPr/>
+    <dgm:style>
+      <a:lnRef idx="0">
+        <a:scrgbClr r="0" g="0" b="0"/>
+      </a:lnRef>
+      <a:fillRef idx="1">
+        <a:scrgbClr r="0" g="0" b="0"/>
+      </a:fillRef>
+      <a:effectRef idx="0">
+        <a:scrgbClr r="0" g="0" b="0"/>
+      </a:effectRef>
+      <a:fontRef idx="minor"/>
+    </dgm:style>
+  </dgm:styleLbl>
+  <dgm:styleLbl name="dkBgShp">
+    <dgm:scene3d>
+      <a:camera prst="orthographicFront"/>
+      <a:lightRig rig="threePt" dir="t"/>
+    </dgm:scene3d>
+    <dgm:sp3d/>
+    <dgm:txPr/>
+    <dgm:style>
+      <a:lnRef idx="0">
+        <a:scrgbClr r="0" g="0" b="0"/>
+      </a:lnRef>
+      <a:fillRef idx="1">
+        <a:scrgbClr r="0" g="0" b="0"/>
+      </a:fillRef>
+      <a:effectRef idx="0">
+        <a:scrgbClr r="0" g="0" b="0"/>
+      </a:effectRef>
+      <a:fontRef idx="minor"/>
+    </dgm:style>
+  </dgm:styleLbl>
+  <dgm:styleLbl name="trBgShp">
+    <dgm:scene3d>
+      <a:camera prst="orthographicFront"/>
+      <a:lightRig rig="threePt" dir="t"/>
+    </dgm:scene3d>
+    <dgm:sp3d/>
+    <dgm:txPr/>
+    <dgm:style>
+      <a:lnRef idx="0">
+        <a:scrgbClr r="0" g="0" b="0"/>
+      </a:lnRef>
+      <a:fillRef idx="1">
+        <a:scrgbClr r="0" g="0" b="0"/>
+      </a:fillRef>
+      <a:effectRef idx="0">
+        <a:scrgbClr r="0" g="0" b="0"/>
+      </a:effectRef>
+      <a:fontRef idx="minor"/>
+    </dgm:style>
+  </dgm:styleLbl>
+  <dgm:styleLbl name="fgShp">
+    <dgm:scene3d>
+      <a:camera prst="orthographicFront"/>
+      <a:lightRig rig="threePt" dir="t"/>
+    </dgm:scene3d>
+    <dgm:sp3d/>
+    <dgm:txPr/>
+    <dgm:style>
+      <a:lnRef idx="3">
+        <a:scrgbClr r="0" g="0" b="0"/>
+      </a:lnRef>
+      <a:fillRef idx="1">
+        <a:scrgbClr r="0" g="0" b="0"/>
+      </a:fillRef>
+      <a:effectRef idx="1">
+        <a:scrgbClr r="0" g="0" b="0"/>
+      </a:effectRef>
+      <a:fontRef idx="minor"/>
+    </dgm:style>
+  </dgm:styleLbl>
+  <dgm:styleLbl name="revTx">
+    <dgm:scene3d>
+      <a:camera prst="orthographicFront"/>
+      <a:lightRig rig="threePt" dir="t"/>
+    </dgm:scene3d>
+    <dgm:sp3d/>
+    <dgm:txPr/>
+    <dgm:style>
+      <a:lnRef idx="0">
+        <a:scrgbClr r="0" g="0" b="0"/>
+      </a:lnRef>
+      <a:fillRef idx="0">
+        <a:scrgbClr r="0" g="0" b="0"/>
+      </a:fillRef>
+      <a:effectRef idx="0">
+        <a:scrgbClr r="0" g="0" b="0"/>
+      </a:effectRef>
+      <a:fontRef idx="minor"/>
+    </dgm:style>
+  </dgm:styleLbl>
+</dgm:styleDef>
+</file>
+
+<file path=ppt/diagrams/quickStyle4.xml><?xml version="1.0" encoding="utf-8"?>
 <dgm:styleDef xmlns:dgm="http://schemas.openxmlformats.org/drawingml/2006/diagram" xmlns:a="http://schemas.openxmlformats.org/drawingml/2006/main" uniqueId="urn:microsoft.com/office/officeart/2005/8/quickstyle/simple1">
   <dgm:title val=""/>
   <dgm:desc val=""/>
@@ -12856,7 +15835,7 @@
           <p:cNvPr id="10" name="Rectangle 9">
             <a:extLst>
               <a:ext uri="{FF2B5EF4-FFF2-40B4-BE49-F238E27FC236}">
-                <a16:creationId xmlns="" xmlns:a16="http://schemas.microsoft.com/office/drawing/2014/main" id="{9F5E263C-FB7E-4A3E-AD04-5140CD3D1D97}"/>
+                <a16:creationId xmlns:a16="http://schemas.microsoft.com/office/drawing/2014/main" xmlns="" id="{9F5E263C-FB7E-4A3E-AD04-5140CD3D1D97}"/>
               </a:ext>
             </a:extLst>
           </p:cNvPr>
@@ -12913,7 +15892,7 @@
           <p:cNvPr id="12" name="Rectangle 11">
             <a:extLst>
               <a:ext uri="{FF2B5EF4-FFF2-40B4-BE49-F238E27FC236}">
-                <a16:creationId xmlns="" xmlns:a16="http://schemas.microsoft.com/office/drawing/2014/main" id="{9E65ED8C-90F7-4EB0-ACCB-64AEF411E8B9}"/>
+                <a16:creationId xmlns:a16="http://schemas.microsoft.com/office/drawing/2014/main" xmlns="" id="{9E65ED8C-90F7-4EB0-ACCB-64AEF411E8B9}"/>
               </a:ext>
             </a:extLst>
           </p:cNvPr>
@@ -12965,7 +15944,7 @@
           <p:cNvPr id="14" name="Rectangle 13">
             <a:extLst>
               <a:ext uri="{FF2B5EF4-FFF2-40B4-BE49-F238E27FC236}">
-                <a16:creationId xmlns="" xmlns:a16="http://schemas.microsoft.com/office/drawing/2014/main" id="{6604E3BF-88F7-4D19-BEC9-8486966EA467}"/>
+                <a16:creationId xmlns:a16="http://schemas.microsoft.com/office/drawing/2014/main" xmlns="" id="{6604E3BF-88F7-4D19-BEC9-8486966EA467}"/>
               </a:ext>
             </a:extLst>
           </p:cNvPr>
@@ -13201,7 +16180,7 @@
           <p:cNvPr id="10" name="Rectangle 9">
             <a:extLst>
               <a:ext uri="{FF2B5EF4-FFF2-40B4-BE49-F238E27FC236}">
-                <a16:creationId xmlns="" xmlns:a16="http://schemas.microsoft.com/office/drawing/2014/main" id="{9F5E263C-FB7E-4A3E-AD04-5140CD3D1D97}"/>
+                <a16:creationId xmlns:a16="http://schemas.microsoft.com/office/drawing/2014/main" xmlns="" id="{9F5E263C-FB7E-4A3E-AD04-5140CD3D1D97}"/>
               </a:ext>
             </a:extLst>
           </p:cNvPr>
@@ -13258,7 +16237,7 @@
           <p:cNvPr id="12" name="Rectangle 11">
             <a:extLst>
               <a:ext uri="{FF2B5EF4-FFF2-40B4-BE49-F238E27FC236}">
-                <a16:creationId xmlns="" xmlns:a16="http://schemas.microsoft.com/office/drawing/2014/main" id="{9E65ED8C-90F7-4EB0-ACCB-64AEF411E8B9}"/>
+                <a16:creationId xmlns:a16="http://schemas.microsoft.com/office/drawing/2014/main" xmlns="" id="{9E65ED8C-90F7-4EB0-ACCB-64AEF411E8B9}"/>
               </a:ext>
             </a:extLst>
           </p:cNvPr>
@@ -13310,7 +16289,7 @@
           <p:cNvPr id="14" name="Rectangle 13">
             <a:extLst>
               <a:ext uri="{FF2B5EF4-FFF2-40B4-BE49-F238E27FC236}">
-                <a16:creationId xmlns="" xmlns:a16="http://schemas.microsoft.com/office/drawing/2014/main" id="{6604E3BF-88F7-4D19-BEC9-8486966EA467}"/>
+                <a16:creationId xmlns:a16="http://schemas.microsoft.com/office/drawing/2014/main" xmlns="" id="{6604E3BF-88F7-4D19-BEC9-8486966EA467}"/>
               </a:ext>
             </a:extLst>
           </p:cNvPr>
@@ -13535,6 +16514,264 @@
 <file path=ppt/slides/slide6.xml><?xml version="1.0" encoding="utf-8"?>
 <p:sld xmlns:a="http://schemas.openxmlformats.org/drawingml/2006/main" xmlns:r="http://schemas.openxmlformats.org/officeDocument/2006/relationships" xmlns:p="http://schemas.openxmlformats.org/presentationml/2006/main">
   <p:cSld>
+    <p:bg>
+      <p:bgPr>
+        <a:solidFill>
+          <a:schemeClr val="bg1"/>
+        </a:solidFill>
+        <a:effectLst/>
+      </p:bgPr>
+    </p:bg>
+    <p:spTree>
+      <p:nvGrpSpPr>
+        <p:cNvPr id="1" name=""/>
+        <p:cNvGrpSpPr/>
+        <p:nvPr/>
+      </p:nvGrpSpPr>
+      <p:grpSpPr>
+        <a:xfrm>
+          <a:off x="0" y="0"/>
+          <a:ext cx="0" cy="0"/>
+          <a:chOff x="0" y="0"/>
+          <a:chExt cx="0" cy="0"/>
+        </a:xfrm>
+      </p:grpSpPr>
+      <p:sp useBgFill="1">
+        <p:nvSpPr>
+          <p:cNvPr id="10" name="Rectangle 9">
+            <a:extLst>
+              <a:ext uri="{FF2B5EF4-FFF2-40B4-BE49-F238E27FC236}">
+                <a16:creationId xmlns:a16="http://schemas.microsoft.com/office/drawing/2014/main" xmlns="" id="{40E5B315-592C-487A-A815-6F61A98F445C}"/>
+              </a:ext>
+            </a:extLst>
+          </p:cNvPr>
+          <p:cNvSpPr>
+            <a:spLocks noGrp="1" noRot="1" noChangeAspect="1" noMove="1" noResize="1" noEditPoints="1" noAdjustHandles="1" noChangeArrowheads="1" noChangeShapeType="1" noTextEdit="1"/>
+          </p:cNvSpPr>
+          <p:nvPr>
+            <p:extLst>
+              <p:ext uri="{386F3935-93C4-4BCD-93E2-E3B085C9AB24}">
+                <p16:designElem xmlns:p16="http://schemas.microsoft.com/office/powerpoint/2015/main" val="1"/>
+              </p:ext>
+            </p:extLst>
+          </p:nvPr>
+        </p:nvSpPr>
+        <p:spPr>
+          <a:xfrm>
+            <a:off x="1507" y="0"/>
+            <a:ext cx="12192000" cy="6858000"/>
+          </a:xfrm>
+          <a:prstGeom prst="rect">
+            <a:avLst/>
+          </a:prstGeom>
+          <a:ln>
+            <a:noFill/>
+          </a:ln>
+        </p:spPr>
+        <p:style>
+          <a:lnRef idx="2">
+            <a:schemeClr val="accent1">
+              <a:shade val="50000"/>
+            </a:schemeClr>
+          </a:lnRef>
+          <a:fillRef idx="1">
+            <a:schemeClr val="accent1"/>
+          </a:fillRef>
+          <a:effectRef idx="0">
+            <a:schemeClr val="accent1"/>
+          </a:effectRef>
+          <a:fontRef idx="minor">
+            <a:schemeClr val="lt1"/>
+          </a:fontRef>
+        </p:style>
+        <p:txBody>
+          <a:bodyPr rtlCol="0" anchor="ctr"/>
+          <a:lstStyle/>
+          <a:p>
+            <a:pPr algn="ctr"/>
+            <a:endParaRPr lang="en-US"/>
+          </a:p>
+        </p:txBody>
+      </p:sp>
+      <p:sp>
+        <p:nvSpPr>
+          <p:cNvPr id="12" name="Rectangle 11">
+            <a:extLst>
+              <a:ext uri="{FF2B5EF4-FFF2-40B4-BE49-F238E27FC236}">
+                <a16:creationId xmlns:a16="http://schemas.microsoft.com/office/drawing/2014/main" xmlns="" id="{D7E046CA-18CB-4F2C-A9BE-BA9720B9230C}"/>
+              </a:ext>
+            </a:extLst>
+          </p:cNvPr>
+          <p:cNvSpPr>
+            <a:spLocks noGrp="1" noRot="1" noChangeAspect="1" noMove="1" noResize="1" noEditPoints="1" noAdjustHandles="1" noChangeArrowheads="1" noChangeShapeType="1" noTextEdit="1"/>
+          </p:cNvSpPr>
+          <p:nvPr>
+            <p:extLst>
+              <p:ext uri="{386F3935-93C4-4BCD-93E2-E3B085C9AB24}">
+                <p16:designElem xmlns:p16="http://schemas.microsoft.com/office/powerpoint/2015/main" val="1"/>
+              </p:ext>
+            </p:extLst>
+          </p:nvPr>
+        </p:nvSpPr>
+        <p:spPr bwMode="white">
+          <a:xfrm>
+            <a:off x="1507" y="4953000"/>
+            <a:ext cx="12188952" cy="1905000"/>
+          </a:xfrm>
+          <a:prstGeom prst="rect">
+            <a:avLst/>
+          </a:prstGeom>
+          <a:solidFill>
+            <a:schemeClr val="accent2"/>
+          </a:solidFill>
+          <a:ln>
+            <a:noFill/>
+          </a:ln>
+        </p:spPr>
+        <p:style>
+          <a:lnRef idx="2">
+            <a:schemeClr val="accent1">
+              <a:shade val="50000"/>
+            </a:schemeClr>
+          </a:lnRef>
+          <a:fillRef idx="1">
+            <a:schemeClr val="accent1"/>
+          </a:fillRef>
+          <a:effectRef idx="0">
+            <a:schemeClr val="accent1"/>
+          </a:effectRef>
+          <a:fontRef idx="minor">
+            <a:schemeClr val="lt1"/>
+          </a:fontRef>
+        </p:style>
+      </p:sp>
+      <p:sp>
+        <p:nvSpPr>
+          <p:cNvPr id="14" name="Rectangle 13">
+            <a:extLst>
+              <a:ext uri="{FF2B5EF4-FFF2-40B4-BE49-F238E27FC236}">
+                <a16:creationId xmlns:a16="http://schemas.microsoft.com/office/drawing/2014/main" xmlns="" id="{ED2F258D-E518-486A-8D50-E9A11EF131A9}"/>
+              </a:ext>
+            </a:extLst>
+          </p:cNvPr>
+          <p:cNvSpPr>
+            <a:spLocks noGrp="1" noRot="1" noChangeAspect="1" noMove="1" noResize="1" noEditPoints="1" noAdjustHandles="1" noChangeArrowheads="1" noChangeShapeType="1" noTextEdit="1"/>
+          </p:cNvSpPr>
+          <p:nvPr>
+            <p:extLst>
+              <p:ext uri="{386F3935-93C4-4BCD-93E2-E3B085C9AB24}">
+                <p16:designElem xmlns:p16="http://schemas.microsoft.com/office/powerpoint/2015/main" val="1"/>
+              </p:ext>
+            </p:extLst>
+          </p:nvPr>
+        </p:nvSpPr>
+        <p:spPr>
+          <a:xfrm>
+            <a:off x="1507" y="4906176"/>
+            <a:ext cx="12188952" cy="64008"/>
+          </a:xfrm>
+          <a:prstGeom prst="rect">
+            <a:avLst/>
+          </a:prstGeom>
+          <a:solidFill>
+            <a:schemeClr val="accent1"/>
+          </a:solidFill>
+          <a:ln>
+            <a:noFill/>
+          </a:ln>
+        </p:spPr>
+        <p:style>
+          <a:lnRef idx="2">
+            <a:schemeClr val="accent1">
+              <a:shade val="50000"/>
+            </a:schemeClr>
+          </a:lnRef>
+          <a:fillRef idx="1">
+            <a:schemeClr val="accent1"/>
+          </a:fillRef>
+          <a:effectRef idx="0">
+            <a:schemeClr val="accent1"/>
+          </a:effectRef>
+          <a:fontRef idx="minor">
+            <a:schemeClr val="lt1"/>
+          </a:fontRef>
+        </p:style>
+      </p:sp>
+      <p:sp>
+        <p:nvSpPr>
+          <p:cNvPr id="2" name="Title 1"/>
+          <p:cNvSpPr>
+            <a:spLocks noGrp="1"/>
+          </p:cNvSpPr>
+          <p:nvPr>
+            <p:ph type="title"/>
+          </p:nvPr>
+        </p:nvSpPr>
+        <p:spPr>
+          <a:xfrm>
+            <a:off x="1066800" y="5252936"/>
+            <a:ext cx="10058400" cy="1028715"/>
+          </a:xfrm>
+        </p:spPr>
+        <p:txBody>
+          <a:bodyPr>
+            <a:normAutofit/>
+          </a:bodyPr>
+          <a:lstStyle/>
+          <a:p>
+            <a:pPr algn="ctr"/>
+            <a:r>
+              <a:rPr lang="en-US">
+                <a:solidFill>
+                  <a:srgbClr val="FFFFFF"/>
+                </a:solidFill>
+              </a:rPr>
+              <a:t>What is Fake News?</a:t>
+            </a:r>
+          </a:p>
+        </p:txBody>
+      </p:sp>
+      <p:graphicFrame>
+        <p:nvGraphicFramePr>
+          <p:cNvPr id="5" name="Content Placeholder 2"/>
+          <p:cNvGraphicFramePr>
+            <a:graphicFrameLocks noGrp="1"/>
+          </p:cNvGraphicFramePr>
+          <p:nvPr>
+            <p:ph idx="1"/>
+            <p:extLst>
+              <p:ext uri="{D42A27DB-BD31-4B8C-83A1-F6EECF244321}">
+                <p14:modId xmlns:p14="http://schemas.microsoft.com/office/powerpoint/2010/main" val="3284645079"/>
+              </p:ext>
+            </p:extLst>
+          </p:nvPr>
+        </p:nvGraphicFramePr>
+        <p:xfrm>
+          <a:off x="643466" y="643467"/>
+          <a:ext cx="10900477" cy="3619242"/>
+        </p:xfrm>
+        <a:graphic>
+          <a:graphicData uri="http://schemas.openxmlformats.org/drawingml/2006/diagram">
+            <dgm:relIds xmlns:dgm="http://schemas.openxmlformats.org/drawingml/2006/diagram" xmlns:r="http://schemas.openxmlformats.org/officeDocument/2006/relationships" r:dm="rId2" r:lo="rId3" r:qs="rId4" r:cs="rId5"/>
+          </a:graphicData>
+        </a:graphic>
+      </p:graphicFrame>
+    </p:spTree>
+    <p:extLst>
+      <p:ext uri="{BB962C8B-B14F-4D97-AF65-F5344CB8AC3E}">
+        <p14:creationId xmlns:p14="http://schemas.microsoft.com/office/powerpoint/2010/main" val="4198029491"/>
+      </p:ext>
+    </p:extLst>
+  </p:cSld>
+  <p:clrMapOvr>
+    <a:masterClrMapping/>
+  </p:clrMapOvr>
+</p:sld>
+</file>
+
+<file path=ppt/slides/slide7.xml><?xml version="1.0" encoding="utf-8"?>
+<p:sld xmlns:a="http://schemas.openxmlformats.org/drawingml/2006/main" xmlns:r="http://schemas.openxmlformats.org/officeDocument/2006/relationships" xmlns:p="http://schemas.openxmlformats.org/presentationml/2006/main">
+  <p:cSld>
     <p:spTree>
       <p:nvGrpSpPr>
         <p:cNvPr id="1" name=""/>
@@ -13585,7 +16822,7 @@
         <p:spPr/>
         <p:txBody>
           <a:bodyPr>
-            <a:normAutofit/>
+            <a:normAutofit lnSpcReduction="10000"/>
           </a:bodyPr>
           <a:lstStyle/>
           <a:p>
@@ -13599,11 +16836,7 @@
             </a:r>
             <a:r>
               <a:rPr lang="en-US" sz="3600" dirty="0" smtClean="0"/>
-              <a:t> dataset of ~13,000 articles published in the 2016 election </a:t>
-            </a:r>
-            <a:r>
-              <a:rPr lang="en-US" sz="3600" dirty="0" smtClean="0"/>
-              <a:t>cycle</a:t>
+              <a:t> dataset of ~13,000 articles published in the 2016 election cycle</a:t>
             </a:r>
           </a:p>
           <a:p>
@@ -13618,11 +16851,12 @@
           <a:p>
             <a:r>
               <a:rPr lang="en-US" sz="3600" dirty="0" smtClean="0"/>
-              <a:t>The Real News: All Sides (web crawling/scraping)</a:t>
+              <a:t>The Real News: </a:t>
             </a:r>
-            <a:endParaRPr lang="en-US" sz="3600" dirty="0" smtClean="0"/>
-          </a:p>
-          <a:p>
+            <a:r>
+              <a:rPr lang="en-US" sz="3600" dirty="0" smtClean="0"/>
+              <a:t>10,558 articles from All Sides published in 2015 and 2016</a:t>
+            </a:r>
             <a:endParaRPr lang="en-US" sz="3600" dirty="0" smtClean="0"/>
           </a:p>
         </p:txBody>
@@ -13670,7 +16904,7 @@
 </p:sld>
 </file>
 
-<file path=ppt/slides/slide7.xml><?xml version="1.0" encoding="utf-8"?>
+<file path=ppt/slides/slide8.xml><?xml version="1.0" encoding="utf-8"?>
 <p:sld xmlns:a="http://schemas.openxmlformats.org/drawingml/2006/main" xmlns:r="http://schemas.openxmlformats.org/officeDocument/2006/relationships" xmlns:p="http://schemas.openxmlformats.org/presentationml/2006/main">
   <p:cSld>
     <p:bg>
@@ -13734,7 +16968,7 @@
             <p:ph idx="1"/>
             <p:extLst>
               <p:ext uri="{D42A27DB-BD31-4B8C-83A1-F6EECF244321}">
-                <p14:modId xmlns:p14="http://schemas.microsoft.com/office/powerpoint/2010/main" val="762055486"/>
+                <p14:modId xmlns:p14="http://schemas.microsoft.com/office/powerpoint/2010/main" val="952924024"/>
               </p:ext>
             </p:extLst>
           </p:nvPr>
@@ -13753,78 +16987,6 @@
     <p:extLst>
       <p:ext uri="{BB962C8B-B14F-4D97-AF65-F5344CB8AC3E}">
         <p14:creationId xmlns:p14="http://schemas.microsoft.com/office/powerpoint/2010/main" val="1100854323"/>
-      </p:ext>
-    </p:extLst>
-  </p:cSld>
-  <p:clrMapOvr>
-    <a:masterClrMapping/>
-  </p:clrMapOvr>
-</p:sld>
-</file>
-
-<file path=ppt/slides/slide8.xml><?xml version="1.0" encoding="utf-8"?>
-<p:sld xmlns:a="http://schemas.openxmlformats.org/drawingml/2006/main" xmlns:r="http://schemas.openxmlformats.org/officeDocument/2006/relationships" xmlns:p="http://schemas.openxmlformats.org/presentationml/2006/main">
-  <p:cSld>
-    <p:spTree>
-      <p:nvGrpSpPr>
-        <p:cNvPr id="1" name=""/>
-        <p:cNvGrpSpPr/>
-        <p:nvPr/>
-      </p:nvGrpSpPr>
-      <p:grpSpPr>
-        <a:xfrm>
-          <a:off x="0" y="0"/>
-          <a:ext cx="0" cy="0"/>
-          <a:chOff x="0" y="0"/>
-          <a:chExt cx="0" cy="0"/>
-        </a:xfrm>
-      </p:grpSpPr>
-      <p:sp>
-        <p:nvSpPr>
-          <p:cNvPr id="2" name="Title 1"/>
-          <p:cNvSpPr>
-            <a:spLocks noGrp="1"/>
-          </p:cNvSpPr>
-          <p:nvPr>
-            <p:ph type="title"/>
-          </p:nvPr>
-        </p:nvSpPr>
-        <p:spPr/>
-        <p:txBody>
-          <a:bodyPr/>
-          <a:lstStyle/>
-          <a:p>
-            <a:r>
-              <a:rPr lang="en-US" dirty="0" smtClean="0"/>
-              <a:t>Evaluation</a:t>
-            </a:r>
-            <a:endParaRPr lang="en-US" dirty="0"/>
-          </a:p>
-        </p:txBody>
-      </p:sp>
-      <p:sp>
-        <p:nvSpPr>
-          <p:cNvPr id="3" name="Content Placeholder 2"/>
-          <p:cNvSpPr>
-            <a:spLocks noGrp="1"/>
-          </p:cNvSpPr>
-          <p:nvPr>
-            <p:ph idx="1"/>
-          </p:nvPr>
-        </p:nvSpPr>
-        <p:spPr/>
-        <p:txBody>
-          <a:bodyPr/>
-          <a:lstStyle/>
-          <a:p>
-            <a:endParaRPr lang="en-US"/>
-          </a:p>
-        </p:txBody>
-      </p:sp>
-    </p:spTree>
-    <p:extLst>
-      <p:ext uri="{BB962C8B-B14F-4D97-AF65-F5344CB8AC3E}">
-        <p14:creationId xmlns:p14="http://schemas.microsoft.com/office/powerpoint/2010/main" val="1681165596"/>
       </p:ext>
     </p:extLst>
   </p:cSld>

--- a/FakeNews.pptx
+++ b/FakeNews.pptx
@@ -14,8 +14,8 @@
     <p:sldId id="257" r:id="rId5"/>
     <p:sldId id="258" r:id="rId6"/>
     <p:sldId id="265" r:id="rId7"/>
-    <p:sldId id="260" r:id="rId8"/>
-    <p:sldId id="259" r:id="rId9"/>
+    <p:sldId id="259" r:id="rId8"/>
+    <p:sldId id="260" r:id="rId9"/>
     <p:sldId id="263" r:id="rId10"/>
   </p:sldIdLst>
   <p:sldSz cx="12192000" cy="6858000"/>
@@ -3469,7 +3469,7 @@
         <a:lstStyle/>
         <a:p>
           <a:r>
-            <a:rPr lang="en-US"/>
+            <a:rPr lang="en-US" dirty="0"/>
             <a:t>“A lie gets halfway around the world before the truth has a chance to get its pants on.” </a:t>
           </a:r>
         </a:p>
@@ -4991,7 +4991,7 @@
             </a:spcAft>
           </a:pPr>
           <a:r>
-            <a:rPr lang="en-US" sz="4400" kern="1200"/>
+            <a:rPr lang="en-US" sz="4400" kern="1200" dirty="0"/>
             <a:t>“A lie gets halfway around the world before the truth has a chance to get its pants on.” </a:t>
           </a:r>
         </a:p>
@@ -12099,6 +12099,112 @@
     </a:lvl9pPr>
   </p:notesStyle>
 </p:notesMaster>
+</file>
+
+<file path=ppt/notesSlides/notesSlide1.xml><?xml version="1.0" encoding="utf-8"?>
+<p:notes xmlns:a="http://schemas.openxmlformats.org/drawingml/2006/main" xmlns:r="http://schemas.openxmlformats.org/officeDocument/2006/relationships" xmlns:p="http://schemas.openxmlformats.org/presentationml/2006/main">
+  <p:cSld>
+    <p:spTree>
+      <p:nvGrpSpPr>
+        <p:cNvPr id="1" name=""/>
+        <p:cNvGrpSpPr/>
+        <p:nvPr/>
+      </p:nvGrpSpPr>
+      <p:grpSpPr>
+        <a:xfrm>
+          <a:off x="0" y="0"/>
+          <a:ext cx="0" cy="0"/>
+          <a:chOff x="0" y="0"/>
+          <a:chExt cx="0" cy="0"/>
+        </a:xfrm>
+      </p:grpSpPr>
+      <p:sp>
+        <p:nvSpPr>
+          <p:cNvPr id="2" name="Slide Image Placeholder 1"/>
+          <p:cNvSpPr>
+            <a:spLocks noGrp="1" noRot="1" noChangeAspect="1"/>
+          </p:cNvSpPr>
+          <p:nvPr>
+            <p:ph type="sldImg"/>
+          </p:nvPr>
+        </p:nvSpPr>
+        <p:spPr/>
+      </p:sp>
+      <p:sp>
+        <p:nvSpPr>
+          <p:cNvPr id="3" name="Notes Placeholder 2"/>
+          <p:cNvSpPr>
+            <a:spLocks noGrp="1"/>
+          </p:cNvSpPr>
+          <p:nvPr>
+            <p:ph type="body" idx="1"/>
+          </p:nvPr>
+        </p:nvSpPr>
+        <p:spPr/>
+        <p:txBody>
+          <a:bodyPr/>
+          <a:lstStyle/>
+          <a:p>
+            <a:r>
+              <a:rPr lang="en-US" dirty="0" smtClean="0"/>
+              <a:t>http://</a:t>
+            </a:r>
+            <a:r>
+              <a:rPr lang="en-US" dirty="0" err="1" smtClean="0"/>
+              <a:t>www.fakenewschallenge.org</a:t>
+            </a:r>
+            <a:r>
+              <a:rPr lang="en-US" dirty="0" smtClean="0"/>
+              <a:t>/</a:t>
+            </a:r>
+          </a:p>
+          <a:p>
+            <a:r>
+              <a:rPr lang="en-US" dirty="0" smtClean="0"/>
+              <a:t>Explore how</a:t>
+            </a:r>
+            <a:r>
+              <a:rPr lang="en-US" baseline="0" dirty="0" smtClean="0"/>
+              <a:t> artificial intelligence technologies could be leveraged to combat fake news</a:t>
+            </a:r>
+            <a:endParaRPr lang="en-US" dirty="0"/>
+          </a:p>
+        </p:txBody>
+      </p:sp>
+      <p:sp>
+        <p:nvSpPr>
+          <p:cNvPr id="4" name="Slide Number Placeholder 3"/>
+          <p:cNvSpPr>
+            <a:spLocks noGrp="1"/>
+          </p:cNvSpPr>
+          <p:nvPr>
+            <p:ph type="sldNum" sz="quarter" idx="10"/>
+          </p:nvPr>
+        </p:nvSpPr>
+        <p:spPr/>
+        <p:txBody>
+          <a:bodyPr/>
+          <a:lstStyle/>
+          <a:p>
+            <a:fld id="{C9D72E57-129C-4C4E-B25A-14AB2D86E8EC}" type="slidenum">
+              <a:rPr lang="en-US" smtClean="0"/>
+              <a:t>3</a:t>
+            </a:fld>
+            <a:endParaRPr lang="en-US"/>
+          </a:p>
+        </p:txBody>
+      </p:sp>
+    </p:spTree>
+    <p:extLst>
+      <p:ext uri="{BB962C8B-B14F-4D97-AF65-F5344CB8AC3E}">
+        <p14:creationId xmlns:p14="http://schemas.microsoft.com/office/powerpoint/2010/main" val="916388802"/>
+      </p:ext>
+    </p:extLst>
+  </p:cSld>
+  <p:clrMapOvr>
+    <a:masterClrMapping/>
+  </p:clrMapOvr>
+</p:notes>
 </file>
 
 <file path=ppt/slideLayouts/slideLayout1.xml><?xml version="1.0" encoding="utf-8"?>
@@ -16116,7 +16222,7 @@
           <p:nvPr/>
         </p:nvPicPr>
         <p:blipFill>
-          <a:blip r:embed="rId2">
+          <a:blip r:embed="rId3">
             <a:extLst>
               <a:ext uri="{28A0092B-C50C-407E-A947-70E740481C1C}">
                 <a14:useLocalDpi xmlns:a14="http://schemas.microsoft.com/office/drawing/2010/main" val="0"/>
@@ -16772,6 +16878,98 @@
 <file path=ppt/slides/slide7.xml><?xml version="1.0" encoding="utf-8"?>
 <p:sld xmlns:a="http://schemas.openxmlformats.org/drawingml/2006/main" xmlns:r="http://schemas.openxmlformats.org/officeDocument/2006/relationships" xmlns:p="http://schemas.openxmlformats.org/presentationml/2006/main">
   <p:cSld>
+    <p:bg>
+      <p:bgPr>
+        <a:solidFill>
+          <a:schemeClr val="bg1"/>
+        </a:solidFill>
+        <a:effectLst/>
+      </p:bgPr>
+    </p:bg>
+    <p:spTree>
+      <p:nvGrpSpPr>
+        <p:cNvPr id="1" name=""/>
+        <p:cNvGrpSpPr/>
+        <p:nvPr/>
+      </p:nvGrpSpPr>
+      <p:grpSpPr>
+        <a:xfrm>
+          <a:off x="0" y="0"/>
+          <a:ext cx="0" cy="0"/>
+          <a:chOff x="0" y="0"/>
+          <a:chExt cx="0" cy="0"/>
+        </a:xfrm>
+      </p:grpSpPr>
+      <p:sp>
+        <p:nvSpPr>
+          <p:cNvPr id="2" name="Title 1"/>
+          <p:cNvSpPr>
+            <a:spLocks noGrp="1"/>
+          </p:cNvSpPr>
+          <p:nvPr>
+            <p:ph type="title"/>
+          </p:nvPr>
+        </p:nvSpPr>
+        <p:spPr>
+          <a:xfrm>
+            <a:off x="1097280" y="286603"/>
+            <a:ext cx="10058400" cy="1450757"/>
+          </a:xfrm>
+        </p:spPr>
+        <p:txBody>
+          <a:bodyPr>
+            <a:normAutofit/>
+          </a:bodyPr>
+          <a:lstStyle/>
+          <a:p>
+            <a:r>
+              <a:rPr lang="en-US" dirty="0"/>
+              <a:t>Implementation</a:t>
+            </a:r>
+          </a:p>
+        </p:txBody>
+      </p:sp>
+      <p:graphicFrame>
+        <p:nvGraphicFramePr>
+          <p:cNvPr id="5" name="Content Placeholder 2"/>
+          <p:cNvGraphicFramePr>
+            <a:graphicFrameLocks noGrp="1"/>
+          </p:cNvGraphicFramePr>
+          <p:nvPr>
+            <p:ph idx="1"/>
+            <p:extLst>
+              <p:ext uri="{D42A27DB-BD31-4B8C-83A1-F6EECF244321}">
+                <p14:modId xmlns:p14="http://schemas.microsoft.com/office/powerpoint/2010/main" val="952924024"/>
+              </p:ext>
+            </p:extLst>
+          </p:nvPr>
+        </p:nvGraphicFramePr>
+        <p:xfrm>
+          <a:off x="1096963" y="2098515"/>
+          <a:ext cx="10058400" cy="3786080"/>
+        </p:xfrm>
+        <a:graphic>
+          <a:graphicData uri="http://schemas.openxmlformats.org/drawingml/2006/diagram">
+            <dgm:relIds xmlns:dgm="http://schemas.openxmlformats.org/drawingml/2006/diagram" xmlns:r="http://schemas.openxmlformats.org/officeDocument/2006/relationships" r:dm="rId2" r:lo="rId3" r:qs="rId4" r:cs="rId5"/>
+          </a:graphicData>
+        </a:graphic>
+      </p:graphicFrame>
+    </p:spTree>
+    <p:extLst>
+      <p:ext uri="{BB962C8B-B14F-4D97-AF65-F5344CB8AC3E}">
+        <p14:creationId xmlns:p14="http://schemas.microsoft.com/office/powerpoint/2010/main" val="1100854323"/>
+      </p:ext>
+    </p:extLst>
+  </p:cSld>
+  <p:clrMapOvr>
+    <a:masterClrMapping/>
+  </p:clrMapOvr>
+</p:sld>
+</file>
+
+<file path=ppt/slides/slide8.xml><?xml version="1.0" encoding="utf-8"?>
+<p:sld xmlns:a="http://schemas.openxmlformats.org/drawingml/2006/main" xmlns:r="http://schemas.openxmlformats.org/officeDocument/2006/relationships" xmlns:p="http://schemas.openxmlformats.org/presentationml/2006/main">
+  <p:cSld>
     <p:spTree>
       <p:nvGrpSpPr>
         <p:cNvPr id="1" name=""/>
@@ -16904,98 +17102,6 @@
 </p:sld>
 </file>
 
-<file path=ppt/slides/slide8.xml><?xml version="1.0" encoding="utf-8"?>
-<p:sld xmlns:a="http://schemas.openxmlformats.org/drawingml/2006/main" xmlns:r="http://schemas.openxmlformats.org/officeDocument/2006/relationships" xmlns:p="http://schemas.openxmlformats.org/presentationml/2006/main">
-  <p:cSld>
-    <p:bg>
-      <p:bgPr>
-        <a:solidFill>
-          <a:schemeClr val="bg1"/>
-        </a:solidFill>
-        <a:effectLst/>
-      </p:bgPr>
-    </p:bg>
-    <p:spTree>
-      <p:nvGrpSpPr>
-        <p:cNvPr id="1" name=""/>
-        <p:cNvGrpSpPr/>
-        <p:nvPr/>
-      </p:nvGrpSpPr>
-      <p:grpSpPr>
-        <a:xfrm>
-          <a:off x="0" y="0"/>
-          <a:ext cx="0" cy="0"/>
-          <a:chOff x="0" y="0"/>
-          <a:chExt cx="0" cy="0"/>
-        </a:xfrm>
-      </p:grpSpPr>
-      <p:sp>
-        <p:nvSpPr>
-          <p:cNvPr id="2" name="Title 1"/>
-          <p:cNvSpPr>
-            <a:spLocks noGrp="1"/>
-          </p:cNvSpPr>
-          <p:nvPr>
-            <p:ph type="title"/>
-          </p:nvPr>
-        </p:nvSpPr>
-        <p:spPr>
-          <a:xfrm>
-            <a:off x="1097280" y="286603"/>
-            <a:ext cx="10058400" cy="1450757"/>
-          </a:xfrm>
-        </p:spPr>
-        <p:txBody>
-          <a:bodyPr>
-            <a:normAutofit/>
-          </a:bodyPr>
-          <a:lstStyle/>
-          <a:p>
-            <a:r>
-              <a:rPr lang="en-US" dirty="0"/>
-              <a:t>Implementation</a:t>
-            </a:r>
-          </a:p>
-        </p:txBody>
-      </p:sp>
-      <p:graphicFrame>
-        <p:nvGraphicFramePr>
-          <p:cNvPr id="5" name="Content Placeholder 2"/>
-          <p:cNvGraphicFramePr>
-            <a:graphicFrameLocks noGrp="1"/>
-          </p:cNvGraphicFramePr>
-          <p:nvPr>
-            <p:ph idx="1"/>
-            <p:extLst>
-              <p:ext uri="{D42A27DB-BD31-4B8C-83A1-F6EECF244321}">
-                <p14:modId xmlns:p14="http://schemas.microsoft.com/office/powerpoint/2010/main" val="952924024"/>
-              </p:ext>
-            </p:extLst>
-          </p:nvPr>
-        </p:nvGraphicFramePr>
-        <p:xfrm>
-          <a:off x="1096963" y="2098515"/>
-          <a:ext cx="10058400" cy="3786080"/>
-        </p:xfrm>
-        <a:graphic>
-          <a:graphicData uri="http://schemas.openxmlformats.org/drawingml/2006/diagram">
-            <dgm:relIds xmlns:dgm="http://schemas.openxmlformats.org/drawingml/2006/diagram" xmlns:r="http://schemas.openxmlformats.org/officeDocument/2006/relationships" r:dm="rId2" r:lo="rId3" r:qs="rId4" r:cs="rId5"/>
-          </a:graphicData>
-        </a:graphic>
-      </p:graphicFrame>
-    </p:spTree>
-    <p:extLst>
-      <p:ext uri="{BB962C8B-B14F-4D97-AF65-F5344CB8AC3E}">
-        <p14:creationId xmlns:p14="http://schemas.microsoft.com/office/powerpoint/2010/main" val="1100854323"/>
-      </p:ext>
-    </p:extLst>
-  </p:cSld>
-  <p:clrMapOvr>
-    <a:masterClrMapping/>
-  </p:clrMapOvr>
-</p:sld>
-</file>
-
 <file path=ppt/slides/slide9.xml><?xml version="1.0" encoding="utf-8"?>
 <p:sld xmlns:a="http://schemas.openxmlformats.org/drawingml/2006/main" xmlns:r="http://schemas.openxmlformats.org/officeDocument/2006/relationships" xmlns:p="http://schemas.openxmlformats.org/presentationml/2006/main">
   <p:cSld>
@@ -17055,7 +17161,7 @@
           <a:p>
             <a:r>
               <a:rPr lang="en-US" sz="2800" dirty="0" smtClean="0"/>
-              <a:t>Team work</a:t>
+              <a:t>Peer to peer coding / team coding</a:t>
             </a:r>
           </a:p>
           <a:p>
@@ -17064,9 +17170,18 @@
           <a:p>
             <a:r>
               <a:rPr lang="en-US" sz="2800" dirty="0" smtClean="0"/>
-              <a:t>Peer to peer coding</a:t>
+              <a:t>4 Sprints</a:t>
             </a:r>
+          </a:p>
+          <a:p>
             <a:endParaRPr lang="en-US" sz="2800" dirty="0"/>
+          </a:p>
+          <a:p>
+            <a:r>
+              <a:rPr lang="en-US" sz="2800" dirty="0" smtClean="0"/>
+              <a:t>Plan work every Saturday/Sunday</a:t>
+            </a:r>
+            <a:endParaRPr lang="en-US" sz="2800" dirty="0" smtClean="0"/>
           </a:p>
         </p:txBody>
       </p:sp>
